--- a/Machine_Learning/106 Association Rules/106 Unsupervised Learning - Association Rules.pptx
+++ b/Machine_Learning/106 Association Rules/106 Unsupervised Learning - Association Rules.pptx
@@ -5,21 +5,22 @@
     <p:sldMasterId id="2147483686" r:id="rId1"/>
   </p:sldMasterIdLst>
   <p:notesMasterIdLst>
-    <p:notesMasterId r:id="rId14"/>
+    <p:notesMasterId r:id="rId15"/>
   </p:notesMasterIdLst>
   <p:sldIdLst>
     <p:sldId id="256" r:id="rId2"/>
     <p:sldId id="257" r:id="rId3"/>
     <p:sldId id="258" r:id="rId4"/>
     <p:sldId id="259" r:id="rId5"/>
-    <p:sldId id="260" r:id="rId6"/>
-    <p:sldId id="261" r:id="rId7"/>
-    <p:sldId id="262" r:id="rId8"/>
-    <p:sldId id="263" r:id="rId9"/>
-    <p:sldId id="264" r:id="rId10"/>
-    <p:sldId id="266" r:id="rId11"/>
-    <p:sldId id="268" r:id="rId12"/>
-    <p:sldId id="269" r:id="rId13"/>
+    <p:sldId id="270" r:id="rId6"/>
+    <p:sldId id="260" r:id="rId7"/>
+    <p:sldId id="261" r:id="rId8"/>
+    <p:sldId id="262" r:id="rId9"/>
+    <p:sldId id="263" r:id="rId10"/>
+    <p:sldId id="264" r:id="rId11"/>
+    <p:sldId id="266" r:id="rId12"/>
+    <p:sldId id="268" r:id="rId13"/>
+    <p:sldId id="269" r:id="rId14"/>
   </p:sldIdLst>
   <p:sldSz cx="12192000" cy="6858000"/>
   <p:notesSz cx="6858000" cy="9144000"/>
@@ -208,7 +209,7 @@
           <a:p>
             <a:fld id="{ED147641-88EE-B24B-94D5-E83A120A440E}" type="datetimeFigureOut">
               <a:rPr lang="en-US" smtClean="0"/>
-              <a:t>8/26/24</a:t>
+              <a:t>8/29/24</a:t>
             </a:fld>
             <a:endParaRPr lang="en-US"/>
           </a:p>
@@ -718,7 +719,7 @@
           <a:p>
             <a:fld id="{655A5808-3B61-48CC-92EF-85AC2E0DFA56}" type="datetime2">
               <a:rPr lang="en-US" smtClean="0"/>
-              <a:t>Monday, August 26, 2024</a:t>
+              <a:t>Thursday, August 29, 2024</a:t>
             </a:fld>
             <a:endParaRPr lang="en-US"/>
           </a:p>
@@ -916,7 +917,7 @@
           <a:p>
             <a:fld id="{735E98AF-4574-4509-BF7A-519ACD5BF826}" type="datetime2">
               <a:rPr lang="en-US" smtClean="0"/>
-              <a:t>Monday, August 26, 2024</a:t>
+              <a:t>Thursday, August 29, 2024</a:t>
             </a:fld>
             <a:endParaRPr lang="en-US"/>
           </a:p>
@@ -1126,7 +1127,7 @@
           <a:p>
             <a:fld id="{93DD97D4-9636-490F-85D0-E926C2B6F3B1}" type="datetime2">
               <a:rPr lang="en-US" smtClean="0"/>
-              <a:t>Monday, August 26, 2024</a:t>
+              <a:t>Thursday, August 29, 2024</a:t>
             </a:fld>
             <a:endParaRPr lang="en-US"/>
           </a:p>
@@ -1325,7 +1326,7 @@
           <a:p>
             <a:fld id="{2F3AF3C6-0FD4-4939-991C-00DDE5C56815}" type="datetime2">
               <a:rPr lang="en-US" smtClean="0"/>
-              <a:t>Monday, August 26, 2024</a:t>
+              <a:t>Thursday, August 29, 2024</a:t>
             </a:fld>
             <a:endParaRPr lang="en-US"/>
           </a:p>
@@ -1606,7 +1607,7 @@
           <a:p>
             <a:fld id="{86807482-8128-47C6-A8DD-6452B0291CFF}" type="datetime2">
               <a:rPr lang="en-US" smtClean="0"/>
-              <a:t>Monday, August 26, 2024</a:t>
+              <a:t>Thursday, August 29, 2024</a:t>
             </a:fld>
             <a:endParaRPr lang="en-US"/>
           </a:p>
@@ -1874,7 +1875,7 @@
           <a:p>
             <a:fld id="{37903F25-275E-41DE-BE3B-EBF0DB49F9B1}" type="datetime2">
               <a:rPr lang="en-US" smtClean="0"/>
-              <a:t>Monday, August 26, 2024</a:t>
+              <a:t>Thursday, August 29, 2024</a:t>
             </a:fld>
             <a:endParaRPr lang="en-US"/>
           </a:p>
@@ -2255,7 +2256,7 @@
           <a:p>
             <a:fld id="{EE475572-4A44-4171-84AA-64D42C8050A6}" type="datetime2">
               <a:rPr lang="en-US" smtClean="0"/>
-              <a:t>Monday, August 26, 2024</a:t>
+              <a:t>Thursday, August 29, 2024</a:t>
             </a:fld>
             <a:endParaRPr lang="en-US"/>
           </a:p>
@@ -2425,7 +2426,7 @@
           <a:p>
             <a:fld id="{C4C1612E-528E-4FD5-9E9E-E15F1108F171}" type="datetime2">
               <a:rPr lang="en-US" smtClean="0"/>
-              <a:t>Monday, August 26, 2024</a:t>
+              <a:t>Thursday, August 29, 2024</a:t>
             </a:fld>
             <a:endParaRPr lang="en-US"/>
           </a:p>
@@ -2538,7 +2539,7 @@
           <a:p>
             <a:fld id="{D4F6D862-A06D-436F-A92E-EBAAD50B6E50}" type="datetime2">
               <a:rPr lang="en-US" smtClean="0"/>
-              <a:t>Monday, August 26, 2024</a:t>
+              <a:t>Thursday, August 29, 2024</a:t>
             </a:fld>
             <a:endParaRPr lang="en-US"/>
           </a:p>
@@ -2855,7 +2856,7 @@
           <a:p>
             <a:fld id="{B73E0B7D-2260-4809-8F0A-9E5F3E24F169}" type="datetime2">
               <a:rPr lang="en-US" smtClean="0"/>
-              <a:t>Monday, August 26, 2024</a:t>
+              <a:t>Thursday, August 29, 2024</a:t>
             </a:fld>
             <a:endParaRPr lang="en-US"/>
           </a:p>
@@ -3147,7 +3148,7 @@
           <a:p>
             <a:fld id="{3C8E4735-C637-46A3-94EB-AB3AC4188D2F}" type="datetime2">
               <a:rPr lang="en-US" smtClean="0"/>
-              <a:t>Monday, August 26, 2024</a:t>
+              <a:t>Thursday, August 29, 2024</a:t>
             </a:fld>
             <a:endParaRPr lang="en-US"/>
           </a:p>
@@ -3515,7 +3516,7 @@
             <a:fld id="{AE0C963C-C1DB-4AFD-9DDC-0691666BF49B}" type="datetime2">
               <a:rPr lang="en-US" smtClean="0"/>
               <a:pPr/>
-              <a:t>Monday, August 26, 2024</a:t>
+              <a:t>Thursday, August 29, 2024</a:t>
             </a:fld>
             <a:endParaRPr lang="en-US" cap="all" dirty="0"/>
           </a:p>
@@ -4532,2134 +4533,6 @@
 </file>
 
 <file path=ppt/slides/slide10.xml><?xml version="1.0" encoding="utf-8"?>
-<p:sld xmlns:a="http://schemas.openxmlformats.org/drawingml/2006/main" xmlns:r="http://schemas.openxmlformats.org/officeDocument/2006/relationships" xmlns:p="http://schemas.openxmlformats.org/presentationml/2006/main">
-  <p:cSld>
-    <p:spTree>
-      <p:nvGrpSpPr>
-        <p:cNvPr id="1" name=""/>
-        <p:cNvGrpSpPr/>
-        <p:nvPr/>
-      </p:nvGrpSpPr>
-      <p:grpSpPr>
-        <a:xfrm>
-          <a:off x="0" y="0"/>
-          <a:ext cx="0" cy="0"/>
-          <a:chOff x="0" y="0"/>
-          <a:chExt cx="0" cy="0"/>
-        </a:xfrm>
-      </p:grpSpPr>
-      <p:sp>
-        <p:nvSpPr>
-          <p:cNvPr id="2" name="Title 1">
-            <a:extLst>
-              <a:ext uri="{FF2B5EF4-FFF2-40B4-BE49-F238E27FC236}">
-                <a16:creationId xmlns:a16="http://schemas.microsoft.com/office/drawing/2014/main" id="{033E2360-4ABF-118B-D538-B164C9A93ACC}"/>
-              </a:ext>
-            </a:extLst>
-          </p:cNvPr>
-          <p:cNvSpPr>
-            <a:spLocks noGrp="1"/>
-          </p:cNvSpPr>
-          <p:nvPr>
-            <p:ph type="title"/>
-          </p:nvPr>
-        </p:nvSpPr>
-        <p:spPr/>
-        <p:txBody>
-          <a:bodyPr/>
-          <a:lstStyle/>
-          <a:p>
-            <a:r>
-              <a:rPr lang="en-US" dirty="0"/>
-              <a:t>Data Layout</a:t>
-            </a:r>
-          </a:p>
-        </p:txBody>
-      </p:sp>
-      <p:sp>
-        <p:nvSpPr>
-          <p:cNvPr id="3" name="Content Placeholder 2">
-            <a:extLst>
-              <a:ext uri="{FF2B5EF4-FFF2-40B4-BE49-F238E27FC236}">
-                <a16:creationId xmlns:a16="http://schemas.microsoft.com/office/drawing/2014/main" id="{9436153C-9374-D838-C3D9-0DFB6F5D5DD5}"/>
-              </a:ext>
-            </a:extLst>
-          </p:cNvPr>
-          <p:cNvSpPr>
-            <a:spLocks noGrp="1"/>
-          </p:cNvSpPr>
-          <p:nvPr>
-            <p:ph sz="half" idx="1"/>
-          </p:nvPr>
-        </p:nvSpPr>
-        <p:spPr/>
-        <p:txBody>
-          <a:bodyPr/>
-          <a:lstStyle/>
-          <a:p>
-            <a:r>
-              <a:rPr lang="en-US" dirty="0" err="1"/>
-              <a:t>Apriori</a:t>
-            </a:r>
-            <a:endParaRPr lang="en-US" dirty="0"/>
-          </a:p>
-          <a:p>
-            <a:pPr lvl="1"/>
-            <a:r>
-              <a:rPr lang="en-IN" dirty="0"/>
-              <a:t>T1: {Bread, Milk, Butter} </a:t>
-            </a:r>
-          </a:p>
-          <a:p>
-            <a:pPr lvl="1"/>
-            <a:r>
-              <a:rPr lang="en-IN" dirty="0"/>
-              <a:t>T2: {Bread, Milk} </a:t>
-            </a:r>
-          </a:p>
-          <a:p>
-            <a:pPr lvl="1"/>
-            <a:r>
-              <a:rPr lang="en-IN" dirty="0"/>
-              <a:t>T3: {Milk, Butter} </a:t>
-            </a:r>
-          </a:p>
-          <a:p>
-            <a:pPr lvl="1"/>
-            <a:r>
-              <a:rPr lang="en-IN" dirty="0"/>
-              <a:t>T4: {Bread, Butter} </a:t>
-            </a:r>
-          </a:p>
-          <a:p>
-            <a:pPr lvl="1"/>
-            <a:r>
-              <a:rPr lang="en-IN" dirty="0"/>
-              <a:t>T5: {Bread, Milk, Butter}</a:t>
-            </a:r>
-            <a:endParaRPr lang="en-US" dirty="0"/>
-          </a:p>
-        </p:txBody>
-      </p:sp>
-      <p:sp>
-        <p:nvSpPr>
-          <p:cNvPr id="4" name="Content Placeholder 3">
-            <a:extLst>
-              <a:ext uri="{FF2B5EF4-FFF2-40B4-BE49-F238E27FC236}">
-                <a16:creationId xmlns:a16="http://schemas.microsoft.com/office/drawing/2014/main" id="{44927B35-9BB7-AC61-12DE-B49BEEF4F728}"/>
-              </a:ext>
-            </a:extLst>
-          </p:cNvPr>
-          <p:cNvSpPr>
-            <a:spLocks noGrp="1"/>
-          </p:cNvSpPr>
-          <p:nvPr>
-            <p:ph sz="half" idx="2"/>
-          </p:nvPr>
-        </p:nvSpPr>
-        <p:spPr/>
-        <p:txBody>
-          <a:bodyPr/>
-          <a:lstStyle/>
-          <a:p>
-            <a:r>
-              <a:rPr lang="en-US" dirty="0"/>
-              <a:t>ECLAT</a:t>
-            </a:r>
-          </a:p>
-          <a:p>
-            <a:pPr lvl="1"/>
-            <a:r>
-              <a:rPr lang="en-IN" dirty="0"/>
-              <a:t>Bread: {T1, T2, T4, T5} </a:t>
-            </a:r>
-          </a:p>
-          <a:p>
-            <a:pPr lvl="1"/>
-            <a:r>
-              <a:rPr lang="en-IN" dirty="0"/>
-              <a:t>Milk: {T1, T2, T3, T5} </a:t>
-            </a:r>
-          </a:p>
-          <a:p>
-            <a:pPr lvl="1"/>
-            <a:r>
-              <a:rPr lang="en-IN" dirty="0"/>
-              <a:t>Butter: {T1, T3, T4, T5}</a:t>
-            </a:r>
-            <a:endParaRPr lang="en-US" dirty="0"/>
-          </a:p>
-        </p:txBody>
-      </p:sp>
-    </p:spTree>
-    <p:extLst>
-      <p:ext uri="{BB962C8B-B14F-4D97-AF65-F5344CB8AC3E}">
-        <p14:creationId xmlns:p14="http://schemas.microsoft.com/office/powerpoint/2010/main" val="2833016629"/>
-      </p:ext>
-    </p:extLst>
-  </p:cSld>
-  <p:clrMapOvr>
-    <a:masterClrMapping/>
-  </p:clrMapOvr>
-</p:sld>
-</file>
-
-<file path=ppt/slides/slide11.xml><?xml version="1.0" encoding="utf-8"?>
-<p:sld xmlns:a="http://schemas.openxmlformats.org/drawingml/2006/main" xmlns:r="http://schemas.openxmlformats.org/officeDocument/2006/relationships" xmlns:p="http://schemas.openxmlformats.org/presentationml/2006/main">
-  <p:cSld>
-    <p:spTree>
-      <p:nvGrpSpPr>
-        <p:cNvPr id="1" name=""/>
-        <p:cNvGrpSpPr/>
-        <p:nvPr/>
-      </p:nvGrpSpPr>
-      <p:grpSpPr>
-        <a:xfrm>
-          <a:off x="0" y="0"/>
-          <a:ext cx="0" cy="0"/>
-          <a:chOff x="0" y="0"/>
-          <a:chExt cx="0" cy="0"/>
-        </a:xfrm>
-      </p:grpSpPr>
-      <p:sp>
-        <p:nvSpPr>
-          <p:cNvPr id="2" name="Title 1">
-            <a:extLst>
-              <a:ext uri="{FF2B5EF4-FFF2-40B4-BE49-F238E27FC236}">
-                <a16:creationId xmlns:a16="http://schemas.microsoft.com/office/drawing/2014/main" id="{21DC33F5-BE13-2B98-A682-AA97E5886B2E}"/>
-              </a:ext>
-            </a:extLst>
-          </p:cNvPr>
-          <p:cNvSpPr>
-            <a:spLocks noGrp="1"/>
-          </p:cNvSpPr>
-          <p:nvPr>
-            <p:ph type="title"/>
-          </p:nvPr>
-        </p:nvSpPr>
-        <p:spPr/>
-        <p:txBody>
-          <a:bodyPr/>
-          <a:lstStyle/>
-          <a:p>
-            <a:r>
-              <a:rPr lang="en-IN" dirty="0"/>
-              <a:t>Frequent 1-Itemsets Generation</a:t>
-            </a:r>
-            <a:endParaRPr lang="en-US" dirty="0"/>
-          </a:p>
-        </p:txBody>
-      </p:sp>
-      <p:sp>
-        <p:nvSpPr>
-          <p:cNvPr id="3" name="Content Placeholder 2">
-            <a:extLst>
-              <a:ext uri="{FF2B5EF4-FFF2-40B4-BE49-F238E27FC236}">
-                <a16:creationId xmlns:a16="http://schemas.microsoft.com/office/drawing/2014/main" id="{8CE273E9-2D86-E2A6-F0BA-3310163D1965}"/>
-              </a:ext>
-            </a:extLst>
-          </p:cNvPr>
-          <p:cNvSpPr>
-            <a:spLocks noGrp="1"/>
-          </p:cNvSpPr>
-          <p:nvPr>
-            <p:ph sz="half" idx="1"/>
-          </p:nvPr>
-        </p:nvSpPr>
-        <p:spPr/>
-        <p:txBody>
-          <a:bodyPr/>
-          <a:lstStyle/>
-          <a:p>
-            <a:r>
-              <a:rPr lang="en-US" dirty="0" err="1"/>
-              <a:t>Apriori</a:t>
-            </a:r>
-            <a:endParaRPr lang="en-US" dirty="0"/>
-          </a:p>
-          <a:p>
-            <a:pPr lvl="1"/>
-            <a:r>
-              <a:rPr lang="en-IN" dirty="0"/>
-              <a:t>{Bread}: 4 transactions </a:t>
-            </a:r>
-          </a:p>
-          <a:p>
-            <a:pPr lvl="1"/>
-            <a:r>
-              <a:rPr lang="en-IN" dirty="0"/>
-              <a:t>{Milk}: 4 transactions </a:t>
-            </a:r>
-          </a:p>
-          <a:p>
-            <a:pPr lvl="1"/>
-            <a:r>
-              <a:rPr lang="en-IN" dirty="0"/>
-              <a:t>{Butter}: 4 transactions</a:t>
-            </a:r>
-            <a:endParaRPr lang="en-US" dirty="0"/>
-          </a:p>
-        </p:txBody>
-      </p:sp>
-      <p:sp>
-        <p:nvSpPr>
-          <p:cNvPr id="4" name="Content Placeholder 3">
-            <a:extLst>
-              <a:ext uri="{FF2B5EF4-FFF2-40B4-BE49-F238E27FC236}">
-                <a16:creationId xmlns:a16="http://schemas.microsoft.com/office/drawing/2014/main" id="{89B2EFFF-7D28-B15A-3B86-D851E0232F07}"/>
-              </a:ext>
-            </a:extLst>
-          </p:cNvPr>
-          <p:cNvSpPr>
-            <a:spLocks noGrp="1"/>
-          </p:cNvSpPr>
-          <p:nvPr>
-            <p:ph sz="half" idx="2"/>
-          </p:nvPr>
-        </p:nvSpPr>
-        <p:spPr>
-          <a:xfrm>
-            <a:off x="6766560" y="2112265"/>
-            <a:ext cx="5070536" cy="3959351"/>
-          </a:xfrm>
-        </p:spPr>
-        <p:txBody>
-          <a:bodyPr/>
-          <a:lstStyle/>
-          <a:p>
-            <a:r>
-              <a:rPr lang="en-US" dirty="0"/>
-              <a:t>ECLAT</a:t>
-            </a:r>
-          </a:p>
-          <a:p>
-            <a:r>
-              <a:rPr lang="en-IN" dirty="0"/>
-              <a:t>Bread: {T1, T2, T4, T5} (4 transactions) </a:t>
-            </a:r>
-          </a:p>
-          <a:p>
-            <a:r>
-              <a:rPr lang="en-IN" dirty="0"/>
-              <a:t>Milk: {T1, T2, T3, T5} (4 transactions) </a:t>
-            </a:r>
-          </a:p>
-          <a:p>
-            <a:r>
-              <a:rPr lang="en-IN" dirty="0"/>
-              <a:t>Butter: {T1, T3, T4, T5} (4 transactions)</a:t>
-            </a:r>
-            <a:endParaRPr lang="en-US" dirty="0"/>
-          </a:p>
-        </p:txBody>
-      </p:sp>
-    </p:spTree>
-    <p:extLst>
-      <p:ext uri="{BB962C8B-B14F-4D97-AF65-F5344CB8AC3E}">
-        <p14:creationId xmlns:p14="http://schemas.microsoft.com/office/powerpoint/2010/main" val="2058132763"/>
-      </p:ext>
-    </p:extLst>
-  </p:cSld>
-  <p:clrMapOvr>
-    <a:masterClrMapping/>
-  </p:clrMapOvr>
-</p:sld>
-</file>
-
-<file path=ppt/slides/slide12.xml><?xml version="1.0" encoding="utf-8"?>
-<p:sld xmlns:a="http://schemas.openxmlformats.org/drawingml/2006/main" xmlns:r="http://schemas.openxmlformats.org/officeDocument/2006/relationships" xmlns:p="http://schemas.openxmlformats.org/presentationml/2006/main">
-  <p:cSld>
-    <p:spTree>
-      <p:nvGrpSpPr>
-        <p:cNvPr id="1" name=""/>
-        <p:cNvGrpSpPr/>
-        <p:nvPr/>
-      </p:nvGrpSpPr>
-      <p:grpSpPr>
-        <a:xfrm>
-          <a:off x="0" y="0"/>
-          <a:ext cx="0" cy="0"/>
-          <a:chOff x="0" y="0"/>
-          <a:chExt cx="0" cy="0"/>
-        </a:xfrm>
-      </p:grpSpPr>
-      <p:sp>
-        <p:nvSpPr>
-          <p:cNvPr id="2" name="Title 1">
-            <a:extLst>
-              <a:ext uri="{FF2B5EF4-FFF2-40B4-BE49-F238E27FC236}">
-                <a16:creationId xmlns:a16="http://schemas.microsoft.com/office/drawing/2014/main" id="{CB2655D5-736C-2092-ECC7-4BB28DF14E47}"/>
-              </a:ext>
-            </a:extLst>
-          </p:cNvPr>
-          <p:cNvSpPr>
-            <a:spLocks noGrp="1"/>
-          </p:cNvSpPr>
-          <p:nvPr>
-            <p:ph type="title"/>
-          </p:nvPr>
-        </p:nvSpPr>
-        <p:spPr/>
-        <p:txBody>
-          <a:bodyPr/>
-          <a:lstStyle/>
-          <a:p>
-            <a:r>
-              <a:rPr lang="en-IN" dirty="0"/>
-              <a:t>Frequent 2-Itemsets Generation</a:t>
-            </a:r>
-            <a:endParaRPr lang="en-US" dirty="0"/>
-          </a:p>
-        </p:txBody>
-      </p:sp>
-      <p:sp>
-        <p:nvSpPr>
-          <p:cNvPr id="3" name="Content Placeholder 2">
-            <a:extLst>
-              <a:ext uri="{FF2B5EF4-FFF2-40B4-BE49-F238E27FC236}">
-                <a16:creationId xmlns:a16="http://schemas.microsoft.com/office/drawing/2014/main" id="{2BDF3699-77A3-AA47-E02F-2234AD694CFD}"/>
-              </a:ext>
-            </a:extLst>
-          </p:cNvPr>
-          <p:cNvSpPr>
-            <a:spLocks noGrp="1"/>
-          </p:cNvSpPr>
-          <p:nvPr>
-            <p:ph sz="half" idx="1"/>
-          </p:nvPr>
-        </p:nvSpPr>
-        <p:spPr/>
-        <p:txBody>
-          <a:bodyPr/>
-          <a:lstStyle/>
-          <a:p>
-            <a:r>
-              <a:rPr lang="en-US" dirty="0" err="1"/>
-              <a:t>Apriori</a:t>
-            </a:r>
-            <a:endParaRPr lang="en-US" dirty="0"/>
-          </a:p>
-          <a:p>
-            <a:pPr lvl="1"/>
-            <a:r>
-              <a:rPr lang="en-IN" dirty="0"/>
-              <a:t>{Bread, Milk}: 3 transactions </a:t>
-            </a:r>
-          </a:p>
-          <a:p>
-            <a:pPr lvl="1"/>
-            <a:r>
-              <a:rPr lang="en-IN" dirty="0"/>
-              <a:t>{Bread, Butter}: 3 transactions </a:t>
-            </a:r>
-          </a:p>
-          <a:p>
-            <a:pPr lvl="1"/>
-            <a:r>
-              <a:rPr lang="en-IN" dirty="0"/>
-              <a:t>{Milk, Butter}: 3 transactions</a:t>
-            </a:r>
-            <a:endParaRPr lang="en-US" dirty="0"/>
-          </a:p>
-        </p:txBody>
-      </p:sp>
-      <p:sp>
-        <p:nvSpPr>
-          <p:cNvPr id="4" name="Content Placeholder 3">
-            <a:extLst>
-              <a:ext uri="{FF2B5EF4-FFF2-40B4-BE49-F238E27FC236}">
-                <a16:creationId xmlns:a16="http://schemas.microsoft.com/office/drawing/2014/main" id="{D41AFDC4-80C0-9A0D-ED99-9C44D2ADAD2D}"/>
-              </a:ext>
-            </a:extLst>
-          </p:cNvPr>
-          <p:cNvSpPr>
-            <a:spLocks noGrp="1"/>
-          </p:cNvSpPr>
-          <p:nvPr>
-            <p:ph sz="half" idx="2"/>
-          </p:nvPr>
-        </p:nvSpPr>
-        <p:spPr>
-          <a:xfrm>
-            <a:off x="5987441" y="2112265"/>
-            <a:ext cx="5962389" cy="3959351"/>
-          </a:xfrm>
-        </p:spPr>
-        <p:txBody>
-          <a:bodyPr/>
-          <a:lstStyle/>
-          <a:p>
-            <a:r>
-              <a:rPr lang="en-US" dirty="0"/>
-              <a:t>ECLAT</a:t>
-            </a:r>
-          </a:p>
-          <a:p>
-            <a:pPr lvl="1"/>
-            <a:r>
-              <a:rPr lang="en-IN" dirty="0"/>
-              <a:t>{Bread, Milk}: {T1, T2, T5} (3 transactions) </a:t>
-            </a:r>
-          </a:p>
-          <a:p>
-            <a:pPr lvl="1"/>
-            <a:r>
-              <a:rPr lang="en-IN" dirty="0"/>
-              <a:t>{Bread, Butter}: {T1, T4, T5} (3 transactions) </a:t>
-            </a:r>
-          </a:p>
-          <a:p>
-            <a:pPr lvl="1"/>
-            <a:r>
-              <a:rPr lang="en-IN" dirty="0"/>
-              <a:t>{Milk, Butter}: {T1, T3, T5} (3 transactions)</a:t>
-            </a:r>
-            <a:endParaRPr lang="en-US" dirty="0"/>
-          </a:p>
-        </p:txBody>
-      </p:sp>
-    </p:spTree>
-    <p:extLst>
-      <p:ext uri="{BB962C8B-B14F-4D97-AF65-F5344CB8AC3E}">
-        <p14:creationId xmlns:p14="http://schemas.microsoft.com/office/powerpoint/2010/main" val="1896293120"/>
-      </p:ext>
-    </p:extLst>
-  </p:cSld>
-  <p:clrMapOvr>
-    <a:masterClrMapping/>
-  </p:clrMapOvr>
-</p:sld>
-</file>
-
-<file path=ppt/slides/slide2.xml><?xml version="1.0" encoding="utf-8"?>
-<p:sld xmlns:a="http://schemas.openxmlformats.org/drawingml/2006/main" xmlns:r="http://schemas.openxmlformats.org/officeDocument/2006/relationships" xmlns:p="http://schemas.openxmlformats.org/presentationml/2006/main">
-  <p:cSld>
-    <p:spTree>
-      <p:nvGrpSpPr>
-        <p:cNvPr id="1" name=""/>
-        <p:cNvGrpSpPr/>
-        <p:nvPr/>
-      </p:nvGrpSpPr>
-      <p:grpSpPr>
-        <a:xfrm>
-          <a:off x="0" y="0"/>
-          <a:ext cx="0" cy="0"/>
-          <a:chOff x="0" y="0"/>
-          <a:chExt cx="0" cy="0"/>
-        </a:xfrm>
-      </p:grpSpPr>
-      <p:sp>
-        <p:nvSpPr>
-          <p:cNvPr id="2" name="Title 1">
-            <a:extLst>
-              <a:ext uri="{FF2B5EF4-FFF2-40B4-BE49-F238E27FC236}">
-                <a16:creationId xmlns:a16="http://schemas.microsoft.com/office/drawing/2014/main" id="{CD6E615E-65A1-60AB-57D7-84F40812D8F2}"/>
-              </a:ext>
-            </a:extLst>
-          </p:cNvPr>
-          <p:cNvSpPr>
-            <a:spLocks noGrp="1"/>
-          </p:cNvSpPr>
-          <p:nvPr>
-            <p:ph type="title"/>
-          </p:nvPr>
-        </p:nvSpPr>
-        <p:spPr/>
-        <p:txBody>
-          <a:bodyPr/>
-          <a:lstStyle/>
-          <a:p>
-            <a:r>
-              <a:rPr lang="en-US" dirty="0"/>
-              <a:t>Introduction</a:t>
-            </a:r>
-          </a:p>
-        </p:txBody>
-      </p:sp>
-      <p:sp>
-        <p:nvSpPr>
-          <p:cNvPr id="3" name="Content Placeholder 2">
-            <a:extLst>
-              <a:ext uri="{FF2B5EF4-FFF2-40B4-BE49-F238E27FC236}">
-                <a16:creationId xmlns:a16="http://schemas.microsoft.com/office/drawing/2014/main" id="{2A805483-9849-B16A-A05D-8465E2A0DED2}"/>
-              </a:ext>
-            </a:extLst>
-          </p:cNvPr>
-          <p:cNvSpPr>
-            <a:spLocks noGrp="1"/>
-          </p:cNvSpPr>
-          <p:nvPr>
-            <p:ph idx="1"/>
-          </p:nvPr>
-        </p:nvSpPr>
-        <p:spPr/>
-        <p:txBody>
-          <a:bodyPr/>
-          <a:lstStyle/>
-          <a:p>
-            <a:r>
-              <a:rPr lang="en-IN" dirty="0"/>
-              <a:t>A method for discovering interesting relationships (associations) between variables in large datasets.</a:t>
-            </a:r>
-          </a:p>
-          <a:p>
-            <a:r>
-              <a:rPr lang="en-IN" dirty="0"/>
-              <a:t>Commonly used in market basket analysis to identify products that frequently co-occur in transactions.</a:t>
-            </a:r>
-          </a:p>
-          <a:p>
-            <a:r>
-              <a:rPr lang="en-IN" dirty="0"/>
-              <a:t>Example: If a customer buys bread, they are likely to buy butter.</a:t>
-            </a:r>
-            <a:endParaRPr lang="en-US" dirty="0"/>
-          </a:p>
-        </p:txBody>
-      </p:sp>
-    </p:spTree>
-    <p:extLst>
-      <p:ext uri="{BB962C8B-B14F-4D97-AF65-F5344CB8AC3E}">
-        <p14:creationId xmlns:p14="http://schemas.microsoft.com/office/powerpoint/2010/main" val="3682728228"/>
-      </p:ext>
-    </p:extLst>
-  </p:cSld>
-  <p:clrMapOvr>
-    <a:masterClrMapping/>
-  </p:clrMapOvr>
-</p:sld>
-</file>
-
-<file path=ppt/slides/slide3.xml><?xml version="1.0" encoding="utf-8"?>
-<p:sld xmlns:a="http://schemas.openxmlformats.org/drawingml/2006/main" xmlns:r="http://schemas.openxmlformats.org/officeDocument/2006/relationships" xmlns:p="http://schemas.openxmlformats.org/presentationml/2006/main">
-  <p:cSld>
-    <p:spTree>
-      <p:nvGrpSpPr>
-        <p:cNvPr id="1" name=""/>
-        <p:cNvGrpSpPr/>
-        <p:nvPr/>
-      </p:nvGrpSpPr>
-      <p:grpSpPr>
-        <a:xfrm>
-          <a:off x="0" y="0"/>
-          <a:ext cx="0" cy="0"/>
-          <a:chOff x="0" y="0"/>
-          <a:chExt cx="0" cy="0"/>
-        </a:xfrm>
-      </p:grpSpPr>
-      <p:sp>
-        <p:nvSpPr>
-          <p:cNvPr id="2" name="Title 1">
-            <a:extLst>
-              <a:ext uri="{FF2B5EF4-FFF2-40B4-BE49-F238E27FC236}">
-                <a16:creationId xmlns:a16="http://schemas.microsoft.com/office/drawing/2014/main" id="{5B39ADC3-9AD6-AFF1-4856-A88102D0F7BA}"/>
-              </a:ext>
-            </a:extLst>
-          </p:cNvPr>
-          <p:cNvSpPr>
-            <a:spLocks noGrp="1"/>
-          </p:cNvSpPr>
-          <p:nvPr>
-            <p:ph type="title"/>
-          </p:nvPr>
-        </p:nvSpPr>
-        <p:spPr/>
-        <p:txBody>
-          <a:bodyPr/>
-          <a:lstStyle/>
-          <a:p>
-            <a:r>
-              <a:rPr lang="en-US" dirty="0"/>
-              <a:t>Frequency and Support</a:t>
-            </a:r>
-          </a:p>
-        </p:txBody>
-      </p:sp>
-      <mc:AlternateContent xmlns:mc="http://schemas.openxmlformats.org/markup-compatibility/2006">
-        <mc:Choice xmlns:a14="http://schemas.microsoft.com/office/drawing/2010/main" Requires="a14">
-          <p:sp>
-            <p:nvSpPr>
-              <p:cNvPr id="3" name="Content Placeholder 2">
-                <a:extLst>
-                  <a:ext uri="{FF2B5EF4-FFF2-40B4-BE49-F238E27FC236}">
-                    <a16:creationId xmlns:a16="http://schemas.microsoft.com/office/drawing/2014/main" id="{25E5289A-6331-C5EA-A199-3941E5283922}"/>
-                  </a:ext>
-                </a:extLst>
-              </p:cNvPr>
-              <p:cNvSpPr>
-                <a:spLocks noGrp="1"/>
-              </p:cNvSpPr>
-              <p:nvPr>
-                <p:ph idx="1"/>
-              </p:nvPr>
-            </p:nvSpPr>
-            <p:spPr/>
-            <p:txBody>
-              <a:bodyPr>
-                <a:normAutofit fontScale="92500" lnSpcReduction="20000"/>
-              </a:bodyPr>
-              <a:lstStyle/>
-              <a:p>
-                <a:pPr>
-                  <a:buFont typeface="Arial" panose="020B0604020202020204" pitchFamily="34" charset="0"/>
-                  <a:buChar char="•"/>
-                </a:pPr>
-                <a:r>
-                  <a:rPr lang="en-IN" b="1" dirty="0"/>
-                  <a:t>Frequent </a:t>
-                </a:r>
-                <a:r>
-                  <a:rPr lang="en-IN" b="1" dirty="0" err="1"/>
-                  <a:t>Itemsets</a:t>
-                </a:r>
-                <a:r>
-                  <a:rPr lang="en-IN" b="1" dirty="0"/>
-                  <a:t>:</a:t>
-                </a:r>
-              </a:p>
-              <a:p>
-                <a:pPr lvl="1"/>
-                <a:r>
-                  <a:rPr lang="en-IN" dirty="0"/>
-                  <a:t>An itemset is a collection of one or more items.</a:t>
-                </a:r>
-              </a:p>
-              <a:p>
-                <a:pPr lvl="1"/>
-                <a:r>
-                  <a:rPr lang="en-IN" dirty="0"/>
-                  <a:t>An itemset is considered frequent if it appears in the dataset at least as many times as a pre-specified threshold (minimum support).</a:t>
-                </a:r>
-              </a:p>
-              <a:p>
-                <a:pPr>
-                  <a:buFont typeface="Arial" panose="020B0604020202020204" pitchFamily="34" charset="0"/>
-                  <a:buChar char="•"/>
-                </a:pPr>
-                <a:r>
-                  <a:rPr lang="en-IN" b="1" dirty="0"/>
-                  <a:t>Support:</a:t>
-                </a:r>
-              </a:p>
-              <a:p>
-                <a:pPr lvl="1"/>
-                <a:r>
-                  <a:rPr lang="en-IN" dirty="0"/>
-                  <a:t>The proportion of transactions that contain the itemset.</a:t>
-                </a:r>
-              </a:p>
-              <a:p>
-                <a:pPr lvl="1"/>
-                <a:r>
-                  <a:rPr lang="en-IN" dirty="0"/>
-                  <a:t>Formula:</a:t>
-                </a:r>
-              </a:p>
-              <a:p>
-                <a:pPr lvl="2"/>
-                <a14:m>
-                  <m:oMath xmlns:m="http://schemas.openxmlformats.org/officeDocument/2006/math">
-                    <m:r>
-                      <a:rPr lang="en-US" sz="3500" b="0" i="1" smtClean="0">
-                        <a:latin typeface="Cambria Math" panose="02040503050406030204" pitchFamily="18" charset="0"/>
-                      </a:rPr>
-                      <m:t>𝑆𝑢𝑝𝑝𝑜𝑟𝑡</m:t>
-                    </m:r>
-                    <m:d>
-                      <m:dPr>
-                        <m:ctrlPr>
-                          <a:rPr lang="en-US" sz="3500" b="0" i="1" smtClean="0">
-                            <a:latin typeface="Cambria Math" panose="02040503050406030204" pitchFamily="18" charset="0"/>
-                          </a:rPr>
-                        </m:ctrlPr>
-                      </m:dPr>
-                      <m:e>
-                        <m:r>
-                          <a:rPr lang="en-US" sz="3500" b="0" i="1" smtClean="0">
-                            <a:latin typeface="Cambria Math" panose="02040503050406030204" pitchFamily="18" charset="0"/>
-                          </a:rPr>
-                          <m:t>𝑋</m:t>
-                        </m:r>
-                      </m:e>
-                    </m:d>
-                    <m:r>
-                      <a:rPr lang="en-US" sz="3500" b="0" i="1" smtClean="0">
-                        <a:latin typeface="Cambria Math" panose="02040503050406030204" pitchFamily="18" charset="0"/>
-                      </a:rPr>
-                      <m:t>=</m:t>
-                    </m:r>
-                    <m:f>
-                      <m:fPr>
-                        <m:ctrlPr>
-                          <a:rPr lang="en-US" sz="3500" b="0" i="1" smtClean="0">
-                            <a:latin typeface="Cambria Math" panose="02040503050406030204" pitchFamily="18" charset="0"/>
-                          </a:rPr>
-                        </m:ctrlPr>
-                      </m:fPr>
-                      <m:num>
-                        <m:d>
-                          <m:dPr>
-                            <m:ctrlPr>
-                              <a:rPr lang="en-US" sz="3500" b="0" i="1" smtClean="0">
-                                <a:latin typeface="Cambria Math" panose="02040503050406030204" pitchFamily="18" charset="0"/>
-                              </a:rPr>
-                            </m:ctrlPr>
-                          </m:dPr>
-                          <m:e>
-                            <m:r>
-                              <a:rPr lang="en-US" sz="3500" b="0" i="1" smtClean="0">
-                                <a:latin typeface="Cambria Math" panose="02040503050406030204" pitchFamily="18" charset="0"/>
-                              </a:rPr>
-                              <m:t>𝑁𝑢𝑚𝑏𝑒𝑟</m:t>
-                            </m:r>
-                            <m:r>
-                              <a:rPr lang="en-US" sz="3500" b="0" i="1" smtClean="0">
-                                <a:latin typeface="Cambria Math" panose="02040503050406030204" pitchFamily="18" charset="0"/>
-                              </a:rPr>
-                              <m:t> </m:t>
-                            </m:r>
-                            <m:r>
-                              <a:rPr lang="en-US" sz="3500" b="0" i="1" smtClean="0">
-                                <a:latin typeface="Cambria Math" panose="02040503050406030204" pitchFamily="18" charset="0"/>
-                              </a:rPr>
-                              <m:t>𝑜𝑓</m:t>
-                            </m:r>
-                            <m:r>
-                              <a:rPr lang="en-US" sz="3500" b="0" i="1" smtClean="0">
-                                <a:latin typeface="Cambria Math" panose="02040503050406030204" pitchFamily="18" charset="0"/>
-                              </a:rPr>
-                              <m:t> </m:t>
-                            </m:r>
-                            <m:r>
-                              <a:rPr lang="en-US" sz="3500" b="0" i="1" smtClean="0">
-                                <a:latin typeface="Cambria Math" panose="02040503050406030204" pitchFamily="18" charset="0"/>
-                              </a:rPr>
-                              <m:t>𝑡𝑟𝑎𝑛𝑠𝑎𝑐𝑡𝑖𝑜𝑛𝑠</m:t>
-                            </m:r>
-                            <m:r>
-                              <a:rPr lang="en-US" sz="3500" b="0" i="1" smtClean="0">
-                                <a:latin typeface="Cambria Math" panose="02040503050406030204" pitchFamily="18" charset="0"/>
-                              </a:rPr>
-                              <m:t> </m:t>
-                            </m:r>
-                            <m:r>
-                              <a:rPr lang="en-US" sz="3500" b="0" i="1" smtClean="0">
-                                <a:latin typeface="Cambria Math" panose="02040503050406030204" pitchFamily="18" charset="0"/>
-                              </a:rPr>
-                              <m:t>𝐶𝑜𝑛𝑡𝑎𝑖𝑛𝑖𝑛𝑔</m:t>
-                            </m:r>
-                            <m:r>
-                              <a:rPr lang="en-US" sz="3500" b="0" i="1" smtClean="0">
-                                <a:latin typeface="Cambria Math" panose="02040503050406030204" pitchFamily="18" charset="0"/>
-                              </a:rPr>
-                              <m:t> </m:t>
-                            </m:r>
-                            <m:r>
-                              <a:rPr lang="en-US" sz="3500" b="0" i="1" smtClean="0">
-                                <a:latin typeface="Cambria Math" panose="02040503050406030204" pitchFamily="18" charset="0"/>
-                              </a:rPr>
-                              <m:t>𝑋</m:t>
-                            </m:r>
-                          </m:e>
-                        </m:d>
-                      </m:num>
-                      <m:den>
-                        <m:r>
-                          <a:rPr lang="en-US" sz="3500" i="1">
-                            <a:latin typeface="Cambria Math" panose="02040503050406030204" pitchFamily="18" charset="0"/>
-                          </a:rPr>
-                          <m:t>(</m:t>
-                        </m:r>
-                        <m:r>
-                          <a:rPr lang="en-US" sz="3500" i="1">
-                            <a:latin typeface="Cambria Math" panose="02040503050406030204" pitchFamily="18" charset="0"/>
-                          </a:rPr>
-                          <m:t>𝑇𝑜𝑡𝑎𝑙</m:t>
-                        </m:r>
-                        <m:r>
-                          <a:rPr lang="en-US" sz="3500" i="1">
-                            <a:latin typeface="Cambria Math" panose="02040503050406030204" pitchFamily="18" charset="0"/>
-                          </a:rPr>
-                          <m:t> </m:t>
-                        </m:r>
-                        <m:r>
-                          <a:rPr lang="en-US" sz="3500" i="1">
-                            <a:latin typeface="Cambria Math" panose="02040503050406030204" pitchFamily="18" charset="0"/>
-                          </a:rPr>
-                          <m:t>𝑛𝑢𝑚𝑏𝑒𝑟</m:t>
-                        </m:r>
-                        <m:r>
-                          <a:rPr lang="en-US" sz="3500" i="1">
-                            <a:latin typeface="Cambria Math" panose="02040503050406030204" pitchFamily="18" charset="0"/>
-                          </a:rPr>
-                          <m:t> </m:t>
-                        </m:r>
-                        <m:r>
-                          <a:rPr lang="en-US" sz="3500" i="1">
-                            <a:latin typeface="Cambria Math" panose="02040503050406030204" pitchFamily="18" charset="0"/>
-                          </a:rPr>
-                          <m:t>𝑜𝑓</m:t>
-                        </m:r>
-                        <m:r>
-                          <a:rPr lang="en-US" sz="3500" i="1">
-                            <a:latin typeface="Cambria Math" panose="02040503050406030204" pitchFamily="18" charset="0"/>
-                          </a:rPr>
-                          <m:t> </m:t>
-                        </m:r>
-                        <m:r>
-                          <a:rPr lang="en-US" sz="3500" i="1">
-                            <a:latin typeface="Cambria Math" panose="02040503050406030204" pitchFamily="18" charset="0"/>
-                          </a:rPr>
-                          <m:t>𝑇𝑟𝑎𝑛𝑠𝑎𝑐𝑡𝑖𝑜𝑛𝑠</m:t>
-                        </m:r>
-                        <m:r>
-                          <a:rPr lang="en-US" sz="3500" b="0" i="1" smtClean="0">
-                            <a:latin typeface="Cambria Math" panose="02040503050406030204" pitchFamily="18" charset="0"/>
-                          </a:rPr>
-                          <m:t>)</m:t>
-                        </m:r>
-                      </m:den>
-                    </m:f>
-                  </m:oMath>
-                </a14:m>
-                <a:endParaRPr lang="en-US" dirty="0"/>
-              </a:p>
-            </p:txBody>
-          </p:sp>
-        </mc:Choice>
-        <mc:Fallback>
-          <p:sp>
-            <p:nvSpPr>
-              <p:cNvPr id="3" name="Content Placeholder 2">
-                <a:extLst>
-                  <a:ext uri="{FF2B5EF4-FFF2-40B4-BE49-F238E27FC236}">
-                    <a16:creationId xmlns:a16="http://schemas.microsoft.com/office/drawing/2014/main" id="{25E5289A-6331-C5EA-A199-3941E5283922}"/>
-                  </a:ext>
-                </a:extLst>
-              </p:cNvPr>
-              <p:cNvSpPr>
-                <a:spLocks noGrp="1" noRot="1" noChangeAspect="1" noMove="1" noResize="1" noEditPoints="1" noAdjustHandles="1" noChangeArrowheads="1" noChangeShapeType="1" noTextEdit="1"/>
-              </p:cNvSpPr>
-              <p:nvPr>
-                <p:ph idx="1"/>
-              </p:nvPr>
-            </p:nvSpPr>
-            <p:spPr>
-              <a:blipFill>
-                <a:blip r:embed="rId2"/>
-                <a:stretch>
-                  <a:fillRect l="-1611" t="-2236"/>
-                </a:stretch>
-              </a:blipFill>
-            </p:spPr>
-            <p:txBody>
-              <a:bodyPr/>
-              <a:lstStyle/>
-              <a:p>
-                <a:r>
-                  <a:rPr lang="en-US">
-                    <a:noFill/>
-                  </a:rPr>
-                  <a:t> </a:t>
-                </a:r>
-              </a:p>
-            </p:txBody>
-          </p:sp>
-        </mc:Fallback>
-      </mc:AlternateContent>
-    </p:spTree>
-    <p:extLst>
-      <p:ext uri="{BB962C8B-B14F-4D97-AF65-F5344CB8AC3E}">
-        <p14:creationId xmlns:p14="http://schemas.microsoft.com/office/powerpoint/2010/main" val="147654129"/>
-      </p:ext>
-    </p:extLst>
-  </p:cSld>
-  <p:clrMapOvr>
-    <a:masterClrMapping/>
-  </p:clrMapOvr>
-</p:sld>
-</file>
-
-<file path=ppt/slides/slide4.xml><?xml version="1.0" encoding="utf-8"?>
-<p:sld xmlns:a="http://schemas.openxmlformats.org/drawingml/2006/main" xmlns:r="http://schemas.openxmlformats.org/officeDocument/2006/relationships" xmlns:p="http://schemas.openxmlformats.org/presentationml/2006/main">
-  <p:cSld>
-    <p:spTree>
-      <p:nvGrpSpPr>
-        <p:cNvPr id="1" name=""/>
-        <p:cNvGrpSpPr/>
-        <p:nvPr/>
-      </p:nvGrpSpPr>
-      <p:grpSpPr>
-        <a:xfrm>
-          <a:off x="0" y="0"/>
-          <a:ext cx="0" cy="0"/>
-          <a:chOff x="0" y="0"/>
-          <a:chExt cx="0" cy="0"/>
-        </a:xfrm>
-      </p:grpSpPr>
-      <p:sp>
-        <p:nvSpPr>
-          <p:cNvPr id="2" name="Title 1">
-            <a:extLst>
-              <a:ext uri="{FF2B5EF4-FFF2-40B4-BE49-F238E27FC236}">
-                <a16:creationId xmlns:a16="http://schemas.microsoft.com/office/drawing/2014/main" id="{AE104BE7-F79A-AF08-2BFA-2F91127EEB39}"/>
-              </a:ext>
-            </a:extLst>
-          </p:cNvPr>
-          <p:cNvSpPr>
-            <a:spLocks noGrp="1"/>
-          </p:cNvSpPr>
-          <p:nvPr>
-            <p:ph type="title"/>
-          </p:nvPr>
-        </p:nvSpPr>
-        <p:spPr/>
-        <p:txBody>
-          <a:bodyPr/>
-          <a:lstStyle/>
-          <a:p>
-            <a:r>
-              <a:rPr lang="en-US" dirty="0"/>
-              <a:t>Confidence, lift</a:t>
-            </a:r>
-          </a:p>
-        </p:txBody>
-      </p:sp>
-      <mc:AlternateContent xmlns:mc="http://schemas.openxmlformats.org/markup-compatibility/2006">
-        <mc:Choice xmlns:a14="http://schemas.microsoft.com/office/drawing/2010/main" Requires="a14">
-          <p:sp>
-            <p:nvSpPr>
-              <p:cNvPr id="3" name="Content Placeholder 2">
-                <a:extLst>
-                  <a:ext uri="{FF2B5EF4-FFF2-40B4-BE49-F238E27FC236}">
-                    <a16:creationId xmlns:a16="http://schemas.microsoft.com/office/drawing/2014/main" id="{EA51E2F9-9DD9-2204-5537-925083831EFD}"/>
-                  </a:ext>
-                </a:extLst>
-              </p:cNvPr>
-              <p:cNvSpPr>
-                <a:spLocks noGrp="1"/>
-              </p:cNvSpPr>
-              <p:nvPr>
-                <p:ph idx="1"/>
-              </p:nvPr>
-            </p:nvSpPr>
-            <p:spPr/>
-            <p:txBody>
-              <a:bodyPr>
-                <a:normAutofit fontScale="92500"/>
-              </a:bodyPr>
-              <a:lstStyle/>
-              <a:p>
-                <a:pPr>
-                  <a:buFont typeface="Arial" panose="020B0604020202020204" pitchFamily="34" charset="0"/>
-                  <a:buChar char="•"/>
-                </a:pPr>
-                <a:r>
-                  <a:rPr lang="en-IN" b="1" dirty="0"/>
-                  <a:t>Confidence:</a:t>
-                </a:r>
-              </a:p>
-              <a:p>
-                <a:pPr lvl="1"/>
-                <a:r>
-                  <a:rPr lang="en-IN" dirty="0"/>
-                  <a:t>The likelihood that a transaction containing itemset X also contains itemset Y.</a:t>
-                </a:r>
-              </a:p>
-              <a:p>
-                <a:pPr marL="457200" lvl="1" indent="0">
-                  <a:buNone/>
-                </a:pPr>
-                <a14:m>
-                  <m:oMathPara xmlns:m="http://schemas.openxmlformats.org/officeDocument/2006/math">
-                    <m:oMathParaPr>
-                      <m:jc m:val="center"/>
-                    </m:oMathParaPr>
-                    <m:oMath xmlns:m="http://schemas.openxmlformats.org/officeDocument/2006/math">
-                      <m:r>
-                        <a:rPr lang="en-US" sz="2200" b="0" i="1" smtClean="0">
-                          <a:latin typeface="Cambria Math" panose="02040503050406030204" pitchFamily="18" charset="0"/>
-                        </a:rPr>
-                        <m:t>𝐶𝑜𝑛𝑓𝑖𝑑𝑒𝑛𝑐𝑒</m:t>
-                      </m:r>
-                      <m:d>
-                        <m:dPr>
-                          <m:ctrlPr>
-                            <a:rPr lang="en-US" sz="2200" b="0" i="1" smtClean="0">
-                              <a:latin typeface="Cambria Math" panose="02040503050406030204" pitchFamily="18" charset="0"/>
-                            </a:rPr>
-                          </m:ctrlPr>
-                        </m:dPr>
-                        <m:e>
-                          <m:r>
-                            <a:rPr lang="en-US" sz="2200" b="0" i="1" smtClean="0">
-                              <a:latin typeface="Cambria Math" panose="02040503050406030204" pitchFamily="18" charset="0"/>
-                            </a:rPr>
-                            <m:t>𝑋</m:t>
-                          </m:r>
-                          <m:r>
-                            <a:rPr lang="en-US" sz="2200" b="0" i="1" smtClean="0">
-                              <a:latin typeface="Cambria Math" panose="02040503050406030204" pitchFamily="18" charset="0"/>
-                            </a:rPr>
-                            <m:t>→</m:t>
-                          </m:r>
-                          <m:r>
-                            <a:rPr lang="en-US" sz="2200" b="0" i="1" smtClean="0">
-                              <a:latin typeface="Cambria Math" panose="02040503050406030204" pitchFamily="18" charset="0"/>
-                            </a:rPr>
-                            <m:t>𝑌</m:t>
-                          </m:r>
-                        </m:e>
-                      </m:d>
-                      <m:r>
-                        <a:rPr lang="en-US" sz="2200" b="0" i="1" smtClean="0">
-                          <a:latin typeface="Cambria Math" panose="02040503050406030204" pitchFamily="18" charset="0"/>
-                        </a:rPr>
-                        <m:t>=</m:t>
-                      </m:r>
-                      <m:f>
-                        <m:fPr>
-                          <m:ctrlPr>
-                            <a:rPr lang="en-US" sz="2200" b="0" i="1" smtClean="0">
-                              <a:latin typeface="Cambria Math" panose="02040503050406030204" pitchFamily="18" charset="0"/>
-                              <a:ea typeface="Cambria Math" panose="02040503050406030204" pitchFamily="18" charset="0"/>
-                            </a:rPr>
-                          </m:ctrlPr>
-                        </m:fPr>
-                        <m:num>
-                          <m:r>
-                            <a:rPr lang="en-US" sz="2200" b="0" i="1" smtClean="0">
-                              <a:latin typeface="Cambria Math" panose="02040503050406030204" pitchFamily="18" charset="0"/>
-                            </a:rPr>
-                            <m:t>𝑆𝑢𝑝𝑝𝑜𝑟𝑡</m:t>
-                          </m:r>
-                          <m:d>
-                            <m:dPr>
-                              <m:ctrlPr>
-                                <a:rPr lang="en-US" sz="2200" b="0" i="1" smtClean="0">
-                                  <a:latin typeface="Cambria Math" panose="02040503050406030204" pitchFamily="18" charset="0"/>
-                                </a:rPr>
-                              </m:ctrlPr>
-                            </m:dPr>
-                            <m:e>
-                              <m:r>
-                                <a:rPr lang="en-US" sz="2200" b="0" i="1" smtClean="0">
-                                  <a:latin typeface="Cambria Math" panose="02040503050406030204" pitchFamily="18" charset="0"/>
-                                </a:rPr>
-                                <m:t>𝑋</m:t>
-                              </m:r>
-                              <m:r>
-                                <a:rPr lang="en-US" sz="2200" b="0" i="1" smtClean="0">
-                                  <a:latin typeface="Cambria Math" panose="02040503050406030204" pitchFamily="18" charset="0"/>
-                                  <a:ea typeface="Cambria Math" panose="02040503050406030204" pitchFamily="18" charset="0"/>
-                                </a:rPr>
-                                <m:t>∪</m:t>
-                              </m:r>
-                              <m:r>
-                                <a:rPr lang="en-US" sz="2200" b="0" i="1" smtClean="0">
-                                  <a:latin typeface="Cambria Math" panose="02040503050406030204" pitchFamily="18" charset="0"/>
-                                  <a:ea typeface="Cambria Math" panose="02040503050406030204" pitchFamily="18" charset="0"/>
-                                </a:rPr>
-                                <m:t>𝑌</m:t>
-                              </m:r>
-                            </m:e>
-                          </m:d>
-                        </m:num>
-                        <m:den>
-                          <m:r>
-                            <a:rPr lang="en-US" sz="2200" b="0" i="1" smtClean="0">
-                              <a:latin typeface="Cambria Math" panose="02040503050406030204" pitchFamily="18" charset="0"/>
-                              <a:ea typeface="Cambria Math" panose="02040503050406030204" pitchFamily="18" charset="0"/>
-                            </a:rPr>
-                            <m:t>𝑆𝑢𝑝𝑝𝑜𝑟𝑡</m:t>
-                          </m:r>
-                          <m:r>
-                            <a:rPr lang="en-US" sz="2200" b="0" i="1" smtClean="0">
-                              <a:latin typeface="Cambria Math" panose="02040503050406030204" pitchFamily="18" charset="0"/>
-                              <a:ea typeface="Cambria Math" panose="02040503050406030204" pitchFamily="18" charset="0"/>
-                            </a:rPr>
-                            <m:t>(</m:t>
-                          </m:r>
-                          <m:r>
-                            <a:rPr lang="en-US" sz="2200" b="0" i="1" smtClean="0">
-                              <a:latin typeface="Cambria Math" panose="02040503050406030204" pitchFamily="18" charset="0"/>
-                              <a:ea typeface="Cambria Math" panose="02040503050406030204" pitchFamily="18" charset="0"/>
-                            </a:rPr>
-                            <m:t>𝑋</m:t>
-                          </m:r>
-                          <m:r>
-                            <a:rPr lang="en-US" sz="2200" b="0" i="1" smtClean="0">
-                              <a:latin typeface="Cambria Math" panose="02040503050406030204" pitchFamily="18" charset="0"/>
-                              <a:ea typeface="Cambria Math" panose="02040503050406030204" pitchFamily="18" charset="0"/>
-                            </a:rPr>
-                            <m:t>)</m:t>
-                          </m:r>
-                        </m:den>
-                      </m:f>
-                    </m:oMath>
-                  </m:oMathPara>
-                </a14:m>
-                <a:endParaRPr lang="en-IN" dirty="0"/>
-              </a:p>
-              <a:p>
-                <a:pPr>
-                  <a:buFont typeface="Arial" panose="020B0604020202020204" pitchFamily="34" charset="0"/>
-                  <a:buChar char="•"/>
-                </a:pPr>
-                <a:r>
-                  <a:rPr lang="en-IN" b="1" dirty="0"/>
-                  <a:t>Lift:</a:t>
-                </a:r>
-              </a:p>
-              <a:p>
-                <a:pPr lvl="1"/>
-                <a:r>
-                  <a:rPr lang="en-IN" dirty="0"/>
-                  <a:t>The ratio of the observed support to the expected support under independence.</a:t>
-                </a:r>
-              </a:p>
-              <a:p>
-                <a:pPr marL="457200" lvl="1" indent="0">
-                  <a:buNone/>
-                </a:pPr>
-                <a14:m>
-                  <m:oMathPara xmlns:m="http://schemas.openxmlformats.org/officeDocument/2006/math">
-                    <m:oMathParaPr>
-                      <m:jc m:val="center"/>
-                    </m:oMathParaPr>
-                    <m:oMath xmlns:m="http://schemas.openxmlformats.org/officeDocument/2006/math">
-                      <m:r>
-                        <a:rPr lang="en-US" b="0" i="1" smtClean="0">
-                          <a:latin typeface="Cambria Math" panose="02040503050406030204" pitchFamily="18" charset="0"/>
-                        </a:rPr>
-                        <m:t>𝐿𝑖𝑓𝑡</m:t>
-                      </m:r>
-                      <m:d>
-                        <m:dPr>
-                          <m:ctrlPr>
-                            <a:rPr lang="en-US" b="0" i="1" smtClean="0">
-                              <a:latin typeface="Cambria Math" panose="02040503050406030204" pitchFamily="18" charset="0"/>
-                            </a:rPr>
-                          </m:ctrlPr>
-                        </m:dPr>
-                        <m:e>
-                          <m:r>
-                            <a:rPr lang="en-US" b="0" i="1" smtClean="0">
-                              <a:latin typeface="Cambria Math" panose="02040503050406030204" pitchFamily="18" charset="0"/>
-                            </a:rPr>
-                            <m:t>𝑋</m:t>
-                          </m:r>
-                          <m:r>
-                            <a:rPr lang="en-US" b="0" i="1" smtClean="0">
-                              <a:latin typeface="Cambria Math" panose="02040503050406030204" pitchFamily="18" charset="0"/>
-                            </a:rPr>
-                            <m:t>→</m:t>
-                          </m:r>
-                          <m:r>
-                            <a:rPr lang="en-US" b="0" i="1" smtClean="0">
-                              <a:latin typeface="Cambria Math" panose="02040503050406030204" pitchFamily="18" charset="0"/>
-                            </a:rPr>
-                            <m:t>𝑌</m:t>
-                          </m:r>
-                        </m:e>
-                      </m:d>
-                      <m:r>
-                        <a:rPr lang="en-US" b="0" i="1" smtClean="0">
-                          <a:latin typeface="Cambria Math" panose="02040503050406030204" pitchFamily="18" charset="0"/>
-                        </a:rPr>
-                        <m:t>=</m:t>
-                      </m:r>
-                      <m:f>
-                        <m:fPr>
-                          <m:ctrlPr>
-                            <a:rPr lang="en-US" b="0" i="1" smtClean="0">
-                              <a:latin typeface="Cambria Math" panose="02040503050406030204" pitchFamily="18" charset="0"/>
-                            </a:rPr>
-                          </m:ctrlPr>
-                        </m:fPr>
-                        <m:num>
-                          <m:r>
-                            <a:rPr lang="en-US" b="0" i="1" smtClean="0">
-                              <a:latin typeface="Cambria Math" panose="02040503050406030204" pitchFamily="18" charset="0"/>
-                            </a:rPr>
-                            <m:t>𝐶𝑜𝑛𝑓𝑖𝑑𝑒𝑛𝑐𝑒</m:t>
-                          </m:r>
-                          <m:d>
-                            <m:dPr>
-                              <m:ctrlPr>
-                                <a:rPr lang="en-US" b="0" i="1" smtClean="0">
-                                  <a:latin typeface="Cambria Math" panose="02040503050406030204" pitchFamily="18" charset="0"/>
-                                </a:rPr>
-                              </m:ctrlPr>
-                            </m:dPr>
-                            <m:e>
-                              <m:r>
-                                <a:rPr lang="en-US" b="0" i="1" smtClean="0">
-                                  <a:latin typeface="Cambria Math" panose="02040503050406030204" pitchFamily="18" charset="0"/>
-                                </a:rPr>
-                                <m:t>𝑋</m:t>
-                              </m:r>
-                              <m:r>
-                                <a:rPr lang="en-US" b="0" i="1" smtClean="0">
-                                  <a:latin typeface="Cambria Math" panose="02040503050406030204" pitchFamily="18" charset="0"/>
-                                </a:rPr>
-                                <m:t>→</m:t>
-                              </m:r>
-                              <m:r>
-                                <a:rPr lang="en-US" b="0" i="1" smtClean="0">
-                                  <a:latin typeface="Cambria Math" panose="02040503050406030204" pitchFamily="18" charset="0"/>
-                                </a:rPr>
-                                <m:t>𝑌</m:t>
-                              </m:r>
-                            </m:e>
-                          </m:d>
-                        </m:num>
-                        <m:den>
-                          <m:r>
-                            <a:rPr lang="en-US" b="0" i="1" smtClean="0">
-                              <a:latin typeface="Cambria Math" panose="02040503050406030204" pitchFamily="18" charset="0"/>
-                            </a:rPr>
-                            <m:t>𝑆𝑢𝑝𝑝𝑜𝑟𝑡</m:t>
-                          </m:r>
-                          <m:r>
-                            <a:rPr lang="en-US" b="0" i="1" smtClean="0">
-                              <a:latin typeface="Cambria Math" panose="02040503050406030204" pitchFamily="18" charset="0"/>
-                            </a:rPr>
-                            <m:t> (</m:t>
-                          </m:r>
-                          <m:r>
-                            <a:rPr lang="en-US" b="0" i="1" smtClean="0">
-                              <a:latin typeface="Cambria Math" panose="02040503050406030204" pitchFamily="18" charset="0"/>
-                            </a:rPr>
-                            <m:t>𝑌</m:t>
-                          </m:r>
-                          <m:r>
-                            <a:rPr lang="en-US" b="0" i="1" smtClean="0">
-                              <a:latin typeface="Cambria Math" panose="02040503050406030204" pitchFamily="18" charset="0"/>
-                            </a:rPr>
-                            <m:t>)</m:t>
-                          </m:r>
-                        </m:den>
-                      </m:f>
-                    </m:oMath>
-                  </m:oMathPara>
-                </a14:m>
-                <a:endParaRPr lang="en-IN" dirty="0"/>
-              </a:p>
-              <a:p>
-                <a:pPr lvl="1"/>
-                <a:r>
-                  <a:rPr lang="en-IN" dirty="0"/>
-                  <a:t>Lift &gt; 1 indicates a positive association between X and Y.</a:t>
-                </a:r>
-              </a:p>
-              <a:p>
-                <a:endParaRPr lang="en-US" dirty="0"/>
-              </a:p>
-            </p:txBody>
-          </p:sp>
-        </mc:Choice>
-        <mc:Fallback>
-          <p:sp>
-            <p:nvSpPr>
-              <p:cNvPr id="3" name="Content Placeholder 2">
-                <a:extLst>
-                  <a:ext uri="{FF2B5EF4-FFF2-40B4-BE49-F238E27FC236}">
-                    <a16:creationId xmlns:a16="http://schemas.microsoft.com/office/drawing/2014/main" id="{EA51E2F9-9DD9-2204-5537-925083831EFD}"/>
-                  </a:ext>
-                </a:extLst>
-              </p:cNvPr>
-              <p:cNvSpPr>
-                <a:spLocks noGrp="1" noRot="1" noChangeAspect="1" noMove="1" noResize="1" noEditPoints="1" noAdjustHandles="1" noChangeArrowheads="1" noChangeShapeType="1" noTextEdit="1"/>
-              </p:cNvSpPr>
-              <p:nvPr>
-                <p:ph idx="1"/>
-              </p:nvPr>
-            </p:nvSpPr>
-            <p:spPr>
-              <a:blipFill>
-                <a:blip r:embed="rId2"/>
-                <a:stretch>
-                  <a:fillRect l="-1611" t="-1278" b="-3514"/>
-                </a:stretch>
-              </a:blipFill>
-            </p:spPr>
-            <p:txBody>
-              <a:bodyPr/>
-              <a:lstStyle/>
-              <a:p>
-                <a:r>
-                  <a:rPr lang="en-US">
-                    <a:noFill/>
-                  </a:rPr>
-                  <a:t> </a:t>
-                </a:r>
-              </a:p>
-            </p:txBody>
-          </p:sp>
-        </mc:Fallback>
-      </mc:AlternateContent>
-    </p:spTree>
-    <p:extLst>
-      <p:ext uri="{BB962C8B-B14F-4D97-AF65-F5344CB8AC3E}">
-        <p14:creationId xmlns:p14="http://schemas.microsoft.com/office/powerpoint/2010/main" val="2761904063"/>
-      </p:ext>
-    </p:extLst>
-  </p:cSld>
-  <p:clrMapOvr>
-    <a:masterClrMapping/>
-  </p:clrMapOvr>
-</p:sld>
-</file>
-
-<file path=ppt/slides/slide5.xml><?xml version="1.0" encoding="utf-8"?>
-<p:sld xmlns:a="http://schemas.openxmlformats.org/drawingml/2006/main" xmlns:r="http://schemas.openxmlformats.org/officeDocument/2006/relationships" xmlns:p="http://schemas.openxmlformats.org/presentationml/2006/main">
-  <p:cSld>
-    <p:spTree>
-      <p:nvGrpSpPr>
-        <p:cNvPr id="1" name=""/>
-        <p:cNvGrpSpPr/>
-        <p:nvPr/>
-      </p:nvGrpSpPr>
-      <p:grpSpPr>
-        <a:xfrm>
-          <a:off x="0" y="0"/>
-          <a:ext cx="0" cy="0"/>
-          <a:chOff x="0" y="0"/>
-          <a:chExt cx="0" cy="0"/>
-        </a:xfrm>
-      </p:grpSpPr>
-      <p:sp>
-        <p:nvSpPr>
-          <p:cNvPr id="2" name="Title 1">
-            <a:extLst>
-              <a:ext uri="{FF2B5EF4-FFF2-40B4-BE49-F238E27FC236}">
-                <a16:creationId xmlns:a16="http://schemas.microsoft.com/office/drawing/2014/main" id="{1B61B0F9-D818-7B3D-8638-4903DE047351}"/>
-              </a:ext>
-            </a:extLst>
-          </p:cNvPr>
-          <p:cNvSpPr>
-            <a:spLocks noGrp="1"/>
-          </p:cNvSpPr>
-          <p:nvPr>
-            <p:ph type="title"/>
-          </p:nvPr>
-        </p:nvSpPr>
-        <p:spPr/>
-        <p:txBody>
-          <a:bodyPr/>
-          <a:lstStyle/>
-          <a:p>
-            <a:r>
-              <a:rPr lang="en-US" dirty="0"/>
-              <a:t>Algorithm</a:t>
-            </a:r>
-          </a:p>
-        </p:txBody>
-      </p:sp>
-      <p:sp>
-        <p:nvSpPr>
-          <p:cNvPr id="3" name="Content Placeholder 2">
-            <a:extLst>
-              <a:ext uri="{FF2B5EF4-FFF2-40B4-BE49-F238E27FC236}">
-                <a16:creationId xmlns:a16="http://schemas.microsoft.com/office/drawing/2014/main" id="{1B88DC06-28BF-D554-5BED-FF24EFBD799D}"/>
-              </a:ext>
-            </a:extLst>
-          </p:cNvPr>
-          <p:cNvSpPr>
-            <a:spLocks noGrp="1"/>
-          </p:cNvSpPr>
-          <p:nvPr>
-            <p:ph idx="1"/>
-          </p:nvPr>
-        </p:nvSpPr>
-        <p:spPr/>
-        <p:txBody>
-          <a:bodyPr/>
-          <a:lstStyle/>
-          <a:p>
-            <a:pPr>
-              <a:buFont typeface="Arial" panose="020B0604020202020204" pitchFamily="34" charset="0"/>
-              <a:buChar char="•"/>
-            </a:pPr>
-            <a:r>
-              <a:rPr lang="en-IN" b="1" dirty="0"/>
-              <a:t>Step 1:</a:t>
-            </a:r>
-            <a:r>
-              <a:rPr lang="en-IN" dirty="0"/>
-              <a:t> Generate candidate </a:t>
-            </a:r>
-            <a:r>
-              <a:rPr lang="en-IN" dirty="0" err="1"/>
-              <a:t>itemsets</a:t>
-            </a:r>
-            <a:r>
-              <a:rPr lang="en-IN" dirty="0"/>
-              <a:t> of length 1.</a:t>
-            </a:r>
-          </a:p>
-          <a:p>
-            <a:pPr>
-              <a:buFont typeface="Arial" panose="020B0604020202020204" pitchFamily="34" charset="0"/>
-              <a:buChar char="•"/>
-            </a:pPr>
-            <a:r>
-              <a:rPr lang="en-IN" b="1" dirty="0"/>
-              <a:t>Step 2:</a:t>
-            </a:r>
-            <a:r>
-              <a:rPr lang="en-IN" dirty="0"/>
-              <a:t> Prune the </a:t>
-            </a:r>
-            <a:r>
-              <a:rPr lang="en-IN" dirty="0" err="1"/>
-              <a:t>itemsets</a:t>
-            </a:r>
-            <a:r>
-              <a:rPr lang="en-IN" dirty="0"/>
-              <a:t> that do not meet the minimum support threshold.</a:t>
-            </a:r>
-          </a:p>
-          <a:p>
-            <a:pPr>
-              <a:buFont typeface="Arial" panose="020B0604020202020204" pitchFamily="34" charset="0"/>
-              <a:buChar char="•"/>
-            </a:pPr>
-            <a:r>
-              <a:rPr lang="en-IN" b="1" dirty="0"/>
-              <a:t>Step 3:</a:t>
-            </a:r>
-            <a:r>
-              <a:rPr lang="en-IN" dirty="0"/>
-              <a:t> Generate candidate </a:t>
-            </a:r>
-            <a:r>
-              <a:rPr lang="en-IN" dirty="0" err="1"/>
-              <a:t>itemsets</a:t>
-            </a:r>
-            <a:r>
-              <a:rPr lang="en-IN" dirty="0"/>
-              <a:t> of length 2 from the frequent </a:t>
-            </a:r>
-            <a:r>
-              <a:rPr lang="en-IN" dirty="0" err="1"/>
-              <a:t>itemsets</a:t>
-            </a:r>
-            <a:r>
-              <a:rPr lang="en-IN" dirty="0"/>
-              <a:t> of length 1.</a:t>
-            </a:r>
-          </a:p>
-          <a:p>
-            <a:pPr>
-              <a:buFont typeface="Arial" panose="020B0604020202020204" pitchFamily="34" charset="0"/>
-              <a:buChar char="•"/>
-            </a:pPr>
-            <a:r>
-              <a:rPr lang="en-IN" b="1" dirty="0"/>
-              <a:t>Step 4:</a:t>
-            </a:r>
-            <a:r>
-              <a:rPr lang="en-IN" dirty="0"/>
-              <a:t> Repeat until no more frequent </a:t>
-            </a:r>
-            <a:r>
-              <a:rPr lang="en-IN" dirty="0" err="1"/>
-              <a:t>itemsets</a:t>
-            </a:r>
-            <a:r>
-              <a:rPr lang="en-IN" dirty="0"/>
-              <a:t> can be generated.</a:t>
-            </a:r>
-          </a:p>
-          <a:p>
-            <a:pPr>
-              <a:buFont typeface="Arial" panose="020B0604020202020204" pitchFamily="34" charset="0"/>
-              <a:buChar char="•"/>
-            </a:pPr>
-            <a:r>
-              <a:rPr lang="en-IN" b="1" dirty="0"/>
-              <a:t>Step 5:</a:t>
-            </a:r>
-            <a:r>
-              <a:rPr lang="en-IN" dirty="0"/>
-              <a:t> Generate association rules from the frequent </a:t>
-            </a:r>
-            <a:r>
-              <a:rPr lang="en-IN" dirty="0" err="1"/>
-              <a:t>itemsets</a:t>
-            </a:r>
-            <a:r>
-              <a:rPr lang="en-IN" dirty="0"/>
-              <a:t>.</a:t>
-            </a:r>
-          </a:p>
-        </p:txBody>
-      </p:sp>
-    </p:spTree>
-    <p:extLst>
-      <p:ext uri="{BB962C8B-B14F-4D97-AF65-F5344CB8AC3E}">
-        <p14:creationId xmlns:p14="http://schemas.microsoft.com/office/powerpoint/2010/main" val="2889389115"/>
-      </p:ext>
-    </p:extLst>
-  </p:cSld>
-  <p:clrMapOvr>
-    <a:masterClrMapping/>
-  </p:clrMapOvr>
-</p:sld>
-</file>
-
-<file path=ppt/slides/slide6.xml><?xml version="1.0" encoding="utf-8"?>
-<p:sld xmlns:a="http://schemas.openxmlformats.org/drawingml/2006/main" xmlns:r="http://schemas.openxmlformats.org/officeDocument/2006/relationships" xmlns:p="http://schemas.openxmlformats.org/presentationml/2006/main">
-  <p:cSld>
-    <p:spTree>
-      <p:nvGrpSpPr>
-        <p:cNvPr id="1" name=""/>
-        <p:cNvGrpSpPr/>
-        <p:nvPr/>
-      </p:nvGrpSpPr>
-      <p:grpSpPr>
-        <a:xfrm>
-          <a:off x="0" y="0"/>
-          <a:ext cx="0" cy="0"/>
-          <a:chOff x="0" y="0"/>
-          <a:chExt cx="0" cy="0"/>
-        </a:xfrm>
-      </p:grpSpPr>
-      <p:sp>
-        <p:nvSpPr>
-          <p:cNvPr id="2" name="Title 1">
-            <a:extLst>
-              <a:ext uri="{FF2B5EF4-FFF2-40B4-BE49-F238E27FC236}">
-                <a16:creationId xmlns:a16="http://schemas.microsoft.com/office/drawing/2014/main" id="{28DD657D-D2E7-7093-BF23-767524550620}"/>
-              </a:ext>
-            </a:extLst>
-          </p:cNvPr>
-          <p:cNvSpPr>
-            <a:spLocks noGrp="1"/>
-          </p:cNvSpPr>
-          <p:nvPr>
-            <p:ph type="title"/>
-          </p:nvPr>
-        </p:nvSpPr>
-        <p:spPr/>
-        <p:txBody>
-          <a:bodyPr/>
-          <a:lstStyle/>
-          <a:p>
-            <a:r>
-              <a:rPr lang="en-US" dirty="0"/>
-              <a:t>ECLAT</a:t>
-            </a:r>
-          </a:p>
-        </p:txBody>
-      </p:sp>
-      <p:sp>
-        <p:nvSpPr>
-          <p:cNvPr id="3" name="Content Placeholder 2">
-            <a:extLst>
-              <a:ext uri="{FF2B5EF4-FFF2-40B4-BE49-F238E27FC236}">
-                <a16:creationId xmlns:a16="http://schemas.microsoft.com/office/drawing/2014/main" id="{3A0267B4-4481-82F1-CD16-9DFB94C41B07}"/>
-              </a:ext>
-            </a:extLst>
-          </p:cNvPr>
-          <p:cNvSpPr>
-            <a:spLocks noGrp="1"/>
-          </p:cNvSpPr>
-          <p:nvPr>
-            <p:ph idx="1"/>
-          </p:nvPr>
-        </p:nvSpPr>
-        <p:spPr/>
-        <p:txBody>
-          <a:bodyPr/>
-          <a:lstStyle/>
-          <a:p>
-            <a:r>
-              <a:rPr lang="en-IN" dirty="0"/>
-              <a:t>ECLAT (Equivalence Class Clustering and bottom-up Lattice Traversal) is an efficient algorithm for finding frequent </a:t>
-            </a:r>
-            <a:r>
-              <a:rPr lang="en-IN" dirty="0" err="1"/>
-              <a:t>itemsets</a:t>
-            </a:r>
-            <a:r>
-              <a:rPr lang="en-IN" dirty="0"/>
-              <a:t>.</a:t>
-            </a:r>
-          </a:p>
-          <a:p>
-            <a:r>
-              <a:rPr lang="en-IN" dirty="0"/>
-              <a:t>Unlike </a:t>
-            </a:r>
-            <a:r>
-              <a:rPr lang="en-IN" dirty="0" err="1"/>
-              <a:t>Apriori</a:t>
-            </a:r>
-            <a:r>
-              <a:rPr lang="en-IN" dirty="0"/>
-              <a:t>, which uses horizontal data layout (</a:t>
-            </a:r>
-            <a:r>
-              <a:rPr lang="en-IN" dirty="0" err="1"/>
-              <a:t>itemsets</a:t>
-            </a:r>
-            <a:r>
-              <a:rPr lang="en-IN" dirty="0"/>
-              <a:t>), ECLAT uses vertical data layout (transaction IDs).</a:t>
-            </a:r>
-          </a:p>
-          <a:p>
-            <a:r>
-              <a:rPr lang="en-IN" dirty="0"/>
-              <a:t>Developed as an alternative to </a:t>
-            </a:r>
-            <a:r>
-              <a:rPr lang="en-IN" dirty="0" err="1"/>
-              <a:t>Apriori</a:t>
-            </a:r>
-            <a:r>
-              <a:rPr lang="en-IN" dirty="0"/>
-              <a:t> to handle large datasets more efficiently.</a:t>
-            </a:r>
-            <a:endParaRPr lang="en-US" dirty="0"/>
-          </a:p>
-        </p:txBody>
-      </p:sp>
-    </p:spTree>
-    <p:extLst>
-      <p:ext uri="{BB962C8B-B14F-4D97-AF65-F5344CB8AC3E}">
-        <p14:creationId xmlns:p14="http://schemas.microsoft.com/office/powerpoint/2010/main" val="1961347694"/>
-      </p:ext>
-    </p:extLst>
-  </p:cSld>
-  <p:clrMapOvr>
-    <a:masterClrMapping/>
-  </p:clrMapOvr>
-</p:sld>
-</file>
-
-<file path=ppt/slides/slide7.xml><?xml version="1.0" encoding="utf-8"?>
-<p:sld xmlns:a="http://schemas.openxmlformats.org/drawingml/2006/main" xmlns:r="http://schemas.openxmlformats.org/officeDocument/2006/relationships" xmlns:p="http://schemas.openxmlformats.org/presentationml/2006/main">
-  <p:cSld>
-    <p:spTree>
-      <p:nvGrpSpPr>
-        <p:cNvPr id="1" name=""/>
-        <p:cNvGrpSpPr/>
-        <p:nvPr/>
-      </p:nvGrpSpPr>
-      <p:grpSpPr>
-        <a:xfrm>
-          <a:off x="0" y="0"/>
-          <a:ext cx="0" cy="0"/>
-          <a:chOff x="0" y="0"/>
-          <a:chExt cx="0" cy="0"/>
-        </a:xfrm>
-      </p:grpSpPr>
-      <p:sp>
-        <p:nvSpPr>
-          <p:cNvPr id="2" name="Title 1">
-            <a:extLst>
-              <a:ext uri="{FF2B5EF4-FFF2-40B4-BE49-F238E27FC236}">
-                <a16:creationId xmlns:a16="http://schemas.microsoft.com/office/drawing/2014/main" id="{71A9E744-EE33-FD91-FECC-CF0BDE3C82D1}"/>
-              </a:ext>
-            </a:extLst>
-          </p:cNvPr>
-          <p:cNvSpPr>
-            <a:spLocks noGrp="1"/>
-          </p:cNvSpPr>
-          <p:nvPr>
-            <p:ph type="title"/>
-          </p:nvPr>
-        </p:nvSpPr>
-        <p:spPr/>
-        <p:txBody>
-          <a:bodyPr/>
-          <a:lstStyle/>
-          <a:p>
-            <a:r>
-              <a:rPr lang="en-US" dirty="0"/>
-              <a:t>TID and Support</a:t>
-            </a:r>
-          </a:p>
-        </p:txBody>
-      </p:sp>
-      <mc:AlternateContent xmlns:mc="http://schemas.openxmlformats.org/markup-compatibility/2006">
-        <mc:Choice xmlns:a14="http://schemas.microsoft.com/office/drawing/2010/main" Requires="a14">
-          <p:sp>
-            <p:nvSpPr>
-              <p:cNvPr id="3" name="Content Placeholder 2">
-                <a:extLst>
-                  <a:ext uri="{FF2B5EF4-FFF2-40B4-BE49-F238E27FC236}">
-                    <a16:creationId xmlns:a16="http://schemas.microsoft.com/office/drawing/2014/main" id="{1A1C66D5-D955-8634-7F5D-886D58A929B1}"/>
-                  </a:ext>
-                </a:extLst>
-              </p:cNvPr>
-              <p:cNvSpPr>
-                <a:spLocks noGrp="1"/>
-              </p:cNvSpPr>
-              <p:nvPr>
-                <p:ph idx="1"/>
-              </p:nvPr>
-            </p:nvSpPr>
-            <p:spPr/>
-            <p:txBody>
-              <a:bodyPr/>
-              <a:lstStyle/>
-              <a:p>
-                <a:pPr>
-                  <a:buFont typeface="Arial" panose="020B0604020202020204" pitchFamily="34" charset="0"/>
-                  <a:buChar char="•"/>
-                </a:pPr>
-                <a:r>
-                  <a:rPr lang="en-IN" b="1" dirty="0"/>
-                  <a:t>Transaction ID Sets (TID Sets):</a:t>
-                </a:r>
-                <a:r>
-                  <a:rPr lang="en-IN" dirty="0"/>
-                  <a:t>In ECLAT, each item is represented by the set of transaction IDs where it appears.</a:t>
-                </a:r>
-              </a:p>
-              <a:p>
-                <a:pPr>
-                  <a:buFont typeface="Arial" panose="020B0604020202020204" pitchFamily="34" charset="0"/>
-                  <a:buChar char="•"/>
-                </a:pPr>
-                <a:r>
-                  <a:rPr lang="en-IN" dirty="0"/>
-                  <a:t>The algorithm computes intersections of TID sets to find frequent </a:t>
-                </a:r>
-                <a:r>
-                  <a:rPr lang="en-IN" dirty="0" err="1"/>
-                  <a:t>itemsets</a:t>
-                </a:r>
-                <a:r>
-                  <a:rPr lang="en-IN" dirty="0"/>
-                  <a:t>.</a:t>
-                </a:r>
-              </a:p>
-              <a:p>
-                <a:pPr>
-                  <a:buFont typeface="Arial" panose="020B0604020202020204" pitchFamily="34" charset="0"/>
-                  <a:buChar char="•"/>
-                </a:pPr>
-                <a:r>
-                  <a:rPr lang="en-IN" b="1" dirty="0"/>
-                  <a:t>Support:</a:t>
-                </a:r>
-              </a:p>
-              <a:p>
-                <a:pPr lvl="1"/>
-                <a:r>
-                  <a:rPr lang="en-IN" dirty="0"/>
-                  <a:t>The support of an itemset is determined by the size of its TID set.</a:t>
-                </a:r>
-              </a:p>
-              <a:p>
-                <a:pPr marL="0" indent="0">
-                  <a:buNone/>
-                </a:pPr>
-                <a14:m>
-                  <m:oMathPara xmlns:m="http://schemas.openxmlformats.org/officeDocument/2006/math">
-                    <m:oMathParaPr>
-                      <m:jc m:val="centerGroup"/>
-                    </m:oMathParaPr>
-                    <m:oMath xmlns:m="http://schemas.openxmlformats.org/officeDocument/2006/math">
-                      <m:r>
-                        <a:rPr lang="en-US" b="0" i="1" smtClean="0">
-                          <a:latin typeface="Cambria Math" panose="02040503050406030204" pitchFamily="18" charset="0"/>
-                        </a:rPr>
-                        <m:t>𝑆𝑢𝑝𝑝𝑜𝑟𝑡</m:t>
-                      </m:r>
-                      <m:r>
-                        <a:rPr lang="en-US" b="0" i="1" smtClean="0">
-                          <a:latin typeface="Cambria Math" panose="02040503050406030204" pitchFamily="18" charset="0"/>
-                        </a:rPr>
-                        <m:t> =</m:t>
-                      </m:r>
-                      <m:f>
-                        <m:fPr>
-                          <m:ctrlPr>
-                            <a:rPr lang="en-US" b="0" i="1" smtClean="0">
-                              <a:latin typeface="Cambria Math" panose="02040503050406030204" pitchFamily="18" charset="0"/>
-                            </a:rPr>
-                          </m:ctrlPr>
-                        </m:fPr>
-                        <m:num>
-                          <m:r>
-                            <a:rPr lang="en-US" b="0" i="1" smtClean="0">
-                              <a:latin typeface="Cambria Math" panose="02040503050406030204" pitchFamily="18" charset="0"/>
-                            </a:rPr>
-                            <m:t>𝑇𝐼𝐷</m:t>
-                          </m:r>
-                          <m:d>
-                            <m:dPr>
-                              <m:ctrlPr>
-                                <a:rPr lang="en-US" b="0" i="1" smtClean="0">
-                                  <a:latin typeface="Cambria Math" panose="02040503050406030204" pitchFamily="18" charset="0"/>
-                                </a:rPr>
-                              </m:ctrlPr>
-                            </m:dPr>
-                            <m:e>
-                              <m:r>
-                                <a:rPr lang="en-US" b="0" i="1" smtClean="0">
-                                  <a:latin typeface="Cambria Math" panose="02040503050406030204" pitchFamily="18" charset="0"/>
-                                </a:rPr>
-                                <m:t>𝑋</m:t>
-                              </m:r>
-                            </m:e>
-                          </m:d>
-                        </m:num>
-                        <m:den>
-                          <m:r>
-                            <a:rPr lang="en-US" b="0" i="1" smtClean="0">
-                              <a:latin typeface="Cambria Math" panose="02040503050406030204" pitchFamily="18" charset="0"/>
-                            </a:rPr>
-                            <m:t>𝑇𝑜𝑡𝑎𝑙</m:t>
-                          </m:r>
-                          <m:r>
-                            <a:rPr lang="en-US" b="0" i="1" smtClean="0">
-                              <a:latin typeface="Cambria Math" panose="02040503050406030204" pitchFamily="18" charset="0"/>
-                            </a:rPr>
-                            <m:t> </m:t>
-                          </m:r>
-                          <m:r>
-                            <a:rPr lang="en-US" b="0" i="1" smtClean="0">
-                              <a:latin typeface="Cambria Math" panose="02040503050406030204" pitchFamily="18" charset="0"/>
-                            </a:rPr>
-                            <m:t>𝑇𝑟𝑎𝑛𝑠𝑎𝑐𝑡𝑖𝑜𝑛𝑠</m:t>
-                          </m:r>
-                        </m:den>
-                      </m:f>
-                    </m:oMath>
-                  </m:oMathPara>
-                </a14:m>
-                <a:endParaRPr lang="en-US" dirty="0"/>
-              </a:p>
-            </p:txBody>
-          </p:sp>
-        </mc:Choice>
-        <mc:Fallback>
-          <p:sp>
-            <p:nvSpPr>
-              <p:cNvPr id="3" name="Content Placeholder 2">
-                <a:extLst>
-                  <a:ext uri="{FF2B5EF4-FFF2-40B4-BE49-F238E27FC236}">
-                    <a16:creationId xmlns:a16="http://schemas.microsoft.com/office/drawing/2014/main" id="{1A1C66D5-D955-8634-7F5D-886D58A929B1}"/>
-                  </a:ext>
-                </a:extLst>
-              </p:cNvPr>
-              <p:cNvSpPr>
-                <a:spLocks noGrp="1" noRot="1" noChangeAspect="1" noMove="1" noResize="1" noEditPoints="1" noAdjustHandles="1" noChangeArrowheads="1" noChangeShapeType="1" noTextEdit="1"/>
-              </p:cNvSpPr>
-              <p:nvPr>
-                <p:ph idx="1"/>
-              </p:nvPr>
-            </p:nvSpPr>
-            <p:spPr>
-              <a:blipFill>
-                <a:blip r:embed="rId2"/>
-                <a:stretch>
-                  <a:fillRect l="-1735" t="-1597"/>
-                </a:stretch>
-              </a:blipFill>
-            </p:spPr>
-            <p:txBody>
-              <a:bodyPr/>
-              <a:lstStyle/>
-              <a:p>
-                <a:r>
-                  <a:rPr lang="en-US">
-                    <a:noFill/>
-                  </a:rPr>
-                  <a:t> </a:t>
-                </a:r>
-              </a:p>
-            </p:txBody>
-          </p:sp>
-        </mc:Fallback>
-      </mc:AlternateContent>
-    </p:spTree>
-    <p:extLst>
-      <p:ext uri="{BB962C8B-B14F-4D97-AF65-F5344CB8AC3E}">
-        <p14:creationId xmlns:p14="http://schemas.microsoft.com/office/powerpoint/2010/main" val="3767766011"/>
-      </p:ext>
-    </p:extLst>
-  </p:cSld>
-  <p:clrMapOvr>
-    <a:masterClrMapping/>
-  </p:clrMapOvr>
-</p:sld>
-</file>
-
-<file path=ppt/slides/slide8.xml><?xml version="1.0" encoding="utf-8"?>
-<p:sld xmlns:a="http://schemas.openxmlformats.org/drawingml/2006/main" xmlns:r="http://schemas.openxmlformats.org/officeDocument/2006/relationships" xmlns:p="http://schemas.openxmlformats.org/presentationml/2006/main">
-  <p:cSld>
-    <p:spTree>
-      <p:nvGrpSpPr>
-        <p:cNvPr id="1" name=""/>
-        <p:cNvGrpSpPr/>
-        <p:nvPr/>
-      </p:nvGrpSpPr>
-      <p:grpSpPr>
-        <a:xfrm>
-          <a:off x="0" y="0"/>
-          <a:ext cx="0" cy="0"/>
-          <a:chOff x="0" y="0"/>
-          <a:chExt cx="0" cy="0"/>
-        </a:xfrm>
-      </p:grpSpPr>
-      <p:sp>
-        <p:nvSpPr>
-          <p:cNvPr id="2" name="Title 1">
-            <a:extLst>
-              <a:ext uri="{FF2B5EF4-FFF2-40B4-BE49-F238E27FC236}">
-                <a16:creationId xmlns:a16="http://schemas.microsoft.com/office/drawing/2014/main" id="{0D82C1C7-A43C-3267-807B-6DBE34C5ACBF}"/>
-              </a:ext>
-            </a:extLst>
-          </p:cNvPr>
-          <p:cNvSpPr>
-            <a:spLocks noGrp="1"/>
-          </p:cNvSpPr>
-          <p:nvPr>
-            <p:ph type="title"/>
-          </p:nvPr>
-        </p:nvSpPr>
-        <p:spPr/>
-        <p:txBody>
-          <a:bodyPr/>
-          <a:lstStyle/>
-          <a:p>
-            <a:r>
-              <a:rPr lang="en-US" dirty="0"/>
-              <a:t>Algorithm</a:t>
-            </a:r>
-          </a:p>
-        </p:txBody>
-      </p:sp>
-      <p:sp>
-        <p:nvSpPr>
-          <p:cNvPr id="3" name="Content Placeholder 2">
-            <a:extLst>
-              <a:ext uri="{FF2B5EF4-FFF2-40B4-BE49-F238E27FC236}">
-                <a16:creationId xmlns:a16="http://schemas.microsoft.com/office/drawing/2014/main" id="{CF31D2A8-560C-1D08-A3D3-8F807E6F9B9E}"/>
-              </a:ext>
-            </a:extLst>
-          </p:cNvPr>
-          <p:cNvSpPr>
-            <a:spLocks noGrp="1"/>
-          </p:cNvSpPr>
-          <p:nvPr>
-            <p:ph idx="1"/>
-          </p:nvPr>
-        </p:nvSpPr>
-        <p:spPr/>
-        <p:txBody>
-          <a:bodyPr>
-            <a:normAutofit lnSpcReduction="10000"/>
-          </a:bodyPr>
-          <a:lstStyle/>
-          <a:p>
-            <a:r>
-              <a:rPr lang="en-IN" b="1" dirty="0"/>
-              <a:t>Step 1:</a:t>
-            </a:r>
-            <a:r>
-              <a:rPr lang="en-IN" dirty="0"/>
-              <a:t> Convert the dataset into a vertical format where each item is associated with a TID set.</a:t>
-            </a:r>
-          </a:p>
-          <a:p>
-            <a:r>
-              <a:rPr lang="en-IN" b="1" dirty="0"/>
-              <a:t>Step 2:</a:t>
-            </a:r>
-            <a:r>
-              <a:rPr lang="en-IN" dirty="0"/>
-              <a:t> Calculate the support for individual items by counting the number of transactions in their TID sets.</a:t>
-            </a:r>
-          </a:p>
-          <a:p>
-            <a:r>
-              <a:rPr lang="en-IN" b="1" dirty="0"/>
-              <a:t>Step 3:</a:t>
-            </a:r>
-            <a:r>
-              <a:rPr lang="en-IN" dirty="0"/>
-              <a:t> Generate larger </a:t>
-            </a:r>
-            <a:r>
-              <a:rPr lang="en-IN" dirty="0" err="1"/>
-              <a:t>itemsets</a:t>
-            </a:r>
-            <a:r>
-              <a:rPr lang="en-IN" dirty="0"/>
-              <a:t> by intersecting TID sets of smaller </a:t>
-            </a:r>
-            <a:r>
-              <a:rPr lang="en-IN" dirty="0" err="1"/>
-              <a:t>itemsets</a:t>
-            </a:r>
-            <a:r>
-              <a:rPr lang="en-IN" dirty="0"/>
-              <a:t> (e.g., pairwise intersections for 2-itemsets).</a:t>
-            </a:r>
-          </a:p>
-          <a:p>
-            <a:r>
-              <a:rPr lang="en-IN" b="1" dirty="0"/>
-              <a:t>Step 4:</a:t>
-            </a:r>
-            <a:r>
-              <a:rPr lang="en-IN" dirty="0"/>
-              <a:t> Prune </a:t>
-            </a:r>
-            <a:r>
-              <a:rPr lang="en-IN" dirty="0" err="1"/>
-              <a:t>itemsets</a:t>
-            </a:r>
-            <a:r>
-              <a:rPr lang="en-IN" dirty="0"/>
-              <a:t> that do not meet the minimum support threshold.</a:t>
-            </a:r>
-          </a:p>
-          <a:p>
-            <a:r>
-              <a:rPr lang="en-IN" b="1" dirty="0"/>
-              <a:t>Step 5:</a:t>
-            </a:r>
-            <a:r>
-              <a:rPr lang="en-IN" dirty="0"/>
-              <a:t> Continue this process until no larger frequent </a:t>
-            </a:r>
-            <a:r>
-              <a:rPr lang="en-IN" dirty="0" err="1"/>
-              <a:t>itemsets</a:t>
-            </a:r>
-            <a:r>
-              <a:rPr lang="en-IN" dirty="0"/>
-              <a:t> can be generated.</a:t>
-            </a:r>
-            <a:endParaRPr lang="en-US" dirty="0"/>
-          </a:p>
-        </p:txBody>
-      </p:sp>
-    </p:spTree>
-    <p:extLst>
-      <p:ext uri="{BB962C8B-B14F-4D97-AF65-F5344CB8AC3E}">
-        <p14:creationId xmlns:p14="http://schemas.microsoft.com/office/powerpoint/2010/main" val="3014201611"/>
-      </p:ext>
-    </p:extLst>
-  </p:cSld>
-  <p:clrMapOvr>
-    <a:masterClrMapping/>
-  </p:clrMapOvr>
-</p:sld>
-</file>
-
-<file path=ppt/slides/slide9.xml><?xml version="1.0" encoding="utf-8"?>
 <p:sld xmlns:a="http://schemas.openxmlformats.org/drawingml/2006/main" xmlns:r="http://schemas.openxmlformats.org/officeDocument/2006/relationships" xmlns:p="http://schemas.openxmlformats.org/presentationml/2006/main">
   <p:cSld>
     <p:bg>
@@ -7719,6 +5592,2255 @@
     <p:extLst>
       <p:ext uri="{BB962C8B-B14F-4D97-AF65-F5344CB8AC3E}">
         <p14:creationId xmlns:p14="http://schemas.microsoft.com/office/powerpoint/2010/main" val="52852268"/>
+      </p:ext>
+    </p:extLst>
+  </p:cSld>
+  <p:clrMapOvr>
+    <a:masterClrMapping/>
+  </p:clrMapOvr>
+</p:sld>
+</file>
+
+<file path=ppt/slides/slide11.xml><?xml version="1.0" encoding="utf-8"?>
+<p:sld xmlns:a="http://schemas.openxmlformats.org/drawingml/2006/main" xmlns:r="http://schemas.openxmlformats.org/officeDocument/2006/relationships" xmlns:p="http://schemas.openxmlformats.org/presentationml/2006/main">
+  <p:cSld>
+    <p:spTree>
+      <p:nvGrpSpPr>
+        <p:cNvPr id="1" name=""/>
+        <p:cNvGrpSpPr/>
+        <p:nvPr/>
+      </p:nvGrpSpPr>
+      <p:grpSpPr>
+        <a:xfrm>
+          <a:off x="0" y="0"/>
+          <a:ext cx="0" cy="0"/>
+          <a:chOff x="0" y="0"/>
+          <a:chExt cx="0" cy="0"/>
+        </a:xfrm>
+      </p:grpSpPr>
+      <p:sp>
+        <p:nvSpPr>
+          <p:cNvPr id="2" name="Title 1">
+            <a:extLst>
+              <a:ext uri="{FF2B5EF4-FFF2-40B4-BE49-F238E27FC236}">
+                <a16:creationId xmlns:a16="http://schemas.microsoft.com/office/drawing/2014/main" id="{033E2360-4ABF-118B-D538-B164C9A93ACC}"/>
+              </a:ext>
+            </a:extLst>
+          </p:cNvPr>
+          <p:cNvSpPr>
+            <a:spLocks noGrp="1"/>
+          </p:cNvSpPr>
+          <p:nvPr>
+            <p:ph type="title"/>
+          </p:nvPr>
+        </p:nvSpPr>
+        <p:spPr/>
+        <p:txBody>
+          <a:bodyPr/>
+          <a:lstStyle/>
+          <a:p>
+            <a:r>
+              <a:rPr lang="en-US" dirty="0"/>
+              <a:t>Data Layout</a:t>
+            </a:r>
+          </a:p>
+        </p:txBody>
+      </p:sp>
+      <p:sp>
+        <p:nvSpPr>
+          <p:cNvPr id="3" name="Content Placeholder 2">
+            <a:extLst>
+              <a:ext uri="{FF2B5EF4-FFF2-40B4-BE49-F238E27FC236}">
+                <a16:creationId xmlns:a16="http://schemas.microsoft.com/office/drawing/2014/main" id="{9436153C-9374-D838-C3D9-0DFB6F5D5DD5}"/>
+              </a:ext>
+            </a:extLst>
+          </p:cNvPr>
+          <p:cNvSpPr>
+            <a:spLocks noGrp="1"/>
+          </p:cNvSpPr>
+          <p:nvPr>
+            <p:ph sz="half" idx="1"/>
+          </p:nvPr>
+        </p:nvSpPr>
+        <p:spPr/>
+        <p:txBody>
+          <a:bodyPr/>
+          <a:lstStyle/>
+          <a:p>
+            <a:r>
+              <a:rPr lang="en-US" dirty="0" err="1"/>
+              <a:t>Apriori</a:t>
+            </a:r>
+            <a:endParaRPr lang="en-US" dirty="0"/>
+          </a:p>
+          <a:p>
+            <a:pPr lvl="1"/>
+            <a:r>
+              <a:rPr lang="en-IN" dirty="0"/>
+              <a:t>T1: {Bread, Milk, Butter} </a:t>
+            </a:r>
+          </a:p>
+          <a:p>
+            <a:pPr lvl="1"/>
+            <a:r>
+              <a:rPr lang="en-IN" dirty="0"/>
+              <a:t>T2: {Bread, Milk} </a:t>
+            </a:r>
+          </a:p>
+          <a:p>
+            <a:pPr lvl="1"/>
+            <a:r>
+              <a:rPr lang="en-IN" dirty="0"/>
+              <a:t>T3: {Milk, Butter} </a:t>
+            </a:r>
+          </a:p>
+          <a:p>
+            <a:pPr lvl="1"/>
+            <a:r>
+              <a:rPr lang="en-IN" dirty="0"/>
+              <a:t>T4: {Bread, Butter} </a:t>
+            </a:r>
+          </a:p>
+          <a:p>
+            <a:pPr lvl="1"/>
+            <a:r>
+              <a:rPr lang="en-IN" dirty="0"/>
+              <a:t>T5: {Bread, Milk, Butter}</a:t>
+            </a:r>
+            <a:endParaRPr lang="en-US" dirty="0"/>
+          </a:p>
+        </p:txBody>
+      </p:sp>
+      <p:sp>
+        <p:nvSpPr>
+          <p:cNvPr id="4" name="Content Placeholder 3">
+            <a:extLst>
+              <a:ext uri="{FF2B5EF4-FFF2-40B4-BE49-F238E27FC236}">
+                <a16:creationId xmlns:a16="http://schemas.microsoft.com/office/drawing/2014/main" id="{44927B35-9BB7-AC61-12DE-B49BEEF4F728}"/>
+              </a:ext>
+            </a:extLst>
+          </p:cNvPr>
+          <p:cNvSpPr>
+            <a:spLocks noGrp="1"/>
+          </p:cNvSpPr>
+          <p:nvPr>
+            <p:ph sz="half" idx="2"/>
+          </p:nvPr>
+        </p:nvSpPr>
+        <p:spPr/>
+        <p:txBody>
+          <a:bodyPr/>
+          <a:lstStyle/>
+          <a:p>
+            <a:r>
+              <a:rPr lang="en-US" dirty="0"/>
+              <a:t>ECLAT</a:t>
+            </a:r>
+          </a:p>
+          <a:p>
+            <a:pPr lvl="1"/>
+            <a:r>
+              <a:rPr lang="en-IN" dirty="0"/>
+              <a:t>Bread: {T1, T2, T4, T5} </a:t>
+            </a:r>
+          </a:p>
+          <a:p>
+            <a:pPr lvl="1"/>
+            <a:r>
+              <a:rPr lang="en-IN" dirty="0"/>
+              <a:t>Milk: {T1, T2, T3, T5} </a:t>
+            </a:r>
+          </a:p>
+          <a:p>
+            <a:pPr lvl="1"/>
+            <a:r>
+              <a:rPr lang="en-IN" dirty="0"/>
+              <a:t>Butter: {T1, T3, T4, T5}</a:t>
+            </a:r>
+            <a:endParaRPr lang="en-US" dirty="0"/>
+          </a:p>
+        </p:txBody>
+      </p:sp>
+    </p:spTree>
+    <p:extLst>
+      <p:ext uri="{BB962C8B-B14F-4D97-AF65-F5344CB8AC3E}">
+        <p14:creationId xmlns:p14="http://schemas.microsoft.com/office/powerpoint/2010/main" val="2833016629"/>
+      </p:ext>
+    </p:extLst>
+  </p:cSld>
+  <p:clrMapOvr>
+    <a:masterClrMapping/>
+  </p:clrMapOvr>
+</p:sld>
+</file>
+
+<file path=ppt/slides/slide12.xml><?xml version="1.0" encoding="utf-8"?>
+<p:sld xmlns:a="http://schemas.openxmlformats.org/drawingml/2006/main" xmlns:r="http://schemas.openxmlformats.org/officeDocument/2006/relationships" xmlns:p="http://schemas.openxmlformats.org/presentationml/2006/main">
+  <p:cSld>
+    <p:spTree>
+      <p:nvGrpSpPr>
+        <p:cNvPr id="1" name=""/>
+        <p:cNvGrpSpPr/>
+        <p:nvPr/>
+      </p:nvGrpSpPr>
+      <p:grpSpPr>
+        <a:xfrm>
+          <a:off x="0" y="0"/>
+          <a:ext cx="0" cy="0"/>
+          <a:chOff x="0" y="0"/>
+          <a:chExt cx="0" cy="0"/>
+        </a:xfrm>
+      </p:grpSpPr>
+      <p:sp>
+        <p:nvSpPr>
+          <p:cNvPr id="2" name="Title 1">
+            <a:extLst>
+              <a:ext uri="{FF2B5EF4-FFF2-40B4-BE49-F238E27FC236}">
+                <a16:creationId xmlns:a16="http://schemas.microsoft.com/office/drawing/2014/main" id="{21DC33F5-BE13-2B98-A682-AA97E5886B2E}"/>
+              </a:ext>
+            </a:extLst>
+          </p:cNvPr>
+          <p:cNvSpPr>
+            <a:spLocks noGrp="1"/>
+          </p:cNvSpPr>
+          <p:nvPr>
+            <p:ph type="title"/>
+          </p:nvPr>
+        </p:nvSpPr>
+        <p:spPr/>
+        <p:txBody>
+          <a:bodyPr/>
+          <a:lstStyle/>
+          <a:p>
+            <a:r>
+              <a:rPr lang="en-IN" dirty="0"/>
+              <a:t>Frequent 1-Itemsets Generation</a:t>
+            </a:r>
+            <a:endParaRPr lang="en-US" dirty="0"/>
+          </a:p>
+        </p:txBody>
+      </p:sp>
+      <p:sp>
+        <p:nvSpPr>
+          <p:cNvPr id="3" name="Content Placeholder 2">
+            <a:extLst>
+              <a:ext uri="{FF2B5EF4-FFF2-40B4-BE49-F238E27FC236}">
+                <a16:creationId xmlns:a16="http://schemas.microsoft.com/office/drawing/2014/main" id="{8CE273E9-2D86-E2A6-F0BA-3310163D1965}"/>
+              </a:ext>
+            </a:extLst>
+          </p:cNvPr>
+          <p:cNvSpPr>
+            <a:spLocks noGrp="1"/>
+          </p:cNvSpPr>
+          <p:nvPr>
+            <p:ph sz="half" idx="1"/>
+          </p:nvPr>
+        </p:nvSpPr>
+        <p:spPr/>
+        <p:txBody>
+          <a:bodyPr/>
+          <a:lstStyle/>
+          <a:p>
+            <a:r>
+              <a:rPr lang="en-US" dirty="0" err="1"/>
+              <a:t>Apriori</a:t>
+            </a:r>
+            <a:endParaRPr lang="en-US" dirty="0"/>
+          </a:p>
+          <a:p>
+            <a:pPr lvl="1"/>
+            <a:r>
+              <a:rPr lang="en-IN" dirty="0"/>
+              <a:t>{Bread}: 4 transactions </a:t>
+            </a:r>
+          </a:p>
+          <a:p>
+            <a:pPr lvl="1"/>
+            <a:r>
+              <a:rPr lang="en-IN" dirty="0"/>
+              <a:t>{Milk}: 4 transactions </a:t>
+            </a:r>
+          </a:p>
+          <a:p>
+            <a:pPr lvl="1"/>
+            <a:r>
+              <a:rPr lang="en-IN" dirty="0"/>
+              <a:t>{Butter}: 4 transactions</a:t>
+            </a:r>
+            <a:endParaRPr lang="en-US" dirty="0"/>
+          </a:p>
+        </p:txBody>
+      </p:sp>
+      <p:sp>
+        <p:nvSpPr>
+          <p:cNvPr id="4" name="Content Placeholder 3">
+            <a:extLst>
+              <a:ext uri="{FF2B5EF4-FFF2-40B4-BE49-F238E27FC236}">
+                <a16:creationId xmlns:a16="http://schemas.microsoft.com/office/drawing/2014/main" id="{89B2EFFF-7D28-B15A-3B86-D851E0232F07}"/>
+              </a:ext>
+            </a:extLst>
+          </p:cNvPr>
+          <p:cNvSpPr>
+            <a:spLocks noGrp="1"/>
+          </p:cNvSpPr>
+          <p:nvPr>
+            <p:ph sz="half" idx="2"/>
+          </p:nvPr>
+        </p:nvSpPr>
+        <p:spPr>
+          <a:xfrm>
+            <a:off x="6766560" y="2112265"/>
+            <a:ext cx="5070536" cy="3959351"/>
+          </a:xfrm>
+        </p:spPr>
+        <p:txBody>
+          <a:bodyPr/>
+          <a:lstStyle/>
+          <a:p>
+            <a:r>
+              <a:rPr lang="en-US" dirty="0"/>
+              <a:t>ECLAT</a:t>
+            </a:r>
+          </a:p>
+          <a:p>
+            <a:r>
+              <a:rPr lang="en-IN" dirty="0"/>
+              <a:t>Bread: {T1, T2, T4, T5} (4 transactions) </a:t>
+            </a:r>
+          </a:p>
+          <a:p>
+            <a:r>
+              <a:rPr lang="en-IN" dirty="0"/>
+              <a:t>Milk: {T1, T2, T3, T5} (4 transactions) </a:t>
+            </a:r>
+          </a:p>
+          <a:p>
+            <a:r>
+              <a:rPr lang="en-IN" dirty="0"/>
+              <a:t>Butter: {T1, T3, T4, T5} (4 transactions)</a:t>
+            </a:r>
+            <a:endParaRPr lang="en-US" dirty="0"/>
+          </a:p>
+        </p:txBody>
+      </p:sp>
+    </p:spTree>
+    <p:extLst>
+      <p:ext uri="{BB962C8B-B14F-4D97-AF65-F5344CB8AC3E}">
+        <p14:creationId xmlns:p14="http://schemas.microsoft.com/office/powerpoint/2010/main" val="2058132763"/>
+      </p:ext>
+    </p:extLst>
+  </p:cSld>
+  <p:clrMapOvr>
+    <a:masterClrMapping/>
+  </p:clrMapOvr>
+</p:sld>
+</file>
+
+<file path=ppt/slides/slide13.xml><?xml version="1.0" encoding="utf-8"?>
+<p:sld xmlns:a="http://schemas.openxmlformats.org/drawingml/2006/main" xmlns:r="http://schemas.openxmlformats.org/officeDocument/2006/relationships" xmlns:p="http://schemas.openxmlformats.org/presentationml/2006/main">
+  <p:cSld>
+    <p:spTree>
+      <p:nvGrpSpPr>
+        <p:cNvPr id="1" name=""/>
+        <p:cNvGrpSpPr/>
+        <p:nvPr/>
+      </p:nvGrpSpPr>
+      <p:grpSpPr>
+        <a:xfrm>
+          <a:off x="0" y="0"/>
+          <a:ext cx="0" cy="0"/>
+          <a:chOff x="0" y="0"/>
+          <a:chExt cx="0" cy="0"/>
+        </a:xfrm>
+      </p:grpSpPr>
+      <p:sp>
+        <p:nvSpPr>
+          <p:cNvPr id="2" name="Title 1">
+            <a:extLst>
+              <a:ext uri="{FF2B5EF4-FFF2-40B4-BE49-F238E27FC236}">
+                <a16:creationId xmlns:a16="http://schemas.microsoft.com/office/drawing/2014/main" id="{CB2655D5-736C-2092-ECC7-4BB28DF14E47}"/>
+              </a:ext>
+            </a:extLst>
+          </p:cNvPr>
+          <p:cNvSpPr>
+            <a:spLocks noGrp="1"/>
+          </p:cNvSpPr>
+          <p:nvPr>
+            <p:ph type="title"/>
+          </p:nvPr>
+        </p:nvSpPr>
+        <p:spPr/>
+        <p:txBody>
+          <a:bodyPr/>
+          <a:lstStyle/>
+          <a:p>
+            <a:r>
+              <a:rPr lang="en-IN" dirty="0"/>
+              <a:t>Frequent 2-Itemsets Generation</a:t>
+            </a:r>
+            <a:endParaRPr lang="en-US" dirty="0"/>
+          </a:p>
+        </p:txBody>
+      </p:sp>
+      <p:sp>
+        <p:nvSpPr>
+          <p:cNvPr id="3" name="Content Placeholder 2">
+            <a:extLst>
+              <a:ext uri="{FF2B5EF4-FFF2-40B4-BE49-F238E27FC236}">
+                <a16:creationId xmlns:a16="http://schemas.microsoft.com/office/drawing/2014/main" id="{2BDF3699-77A3-AA47-E02F-2234AD694CFD}"/>
+              </a:ext>
+            </a:extLst>
+          </p:cNvPr>
+          <p:cNvSpPr>
+            <a:spLocks noGrp="1"/>
+          </p:cNvSpPr>
+          <p:nvPr>
+            <p:ph sz="half" idx="1"/>
+          </p:nvPr>
+        </p:nvSpPr>
+        <p:spPr/>
+        <p:txBody>
+          <a:bodyPr/>
+          <a:lstStyle/>
+          <a:p>
+            <a:r>
+              <a:rPr lang="en-US" dirty="0" err="1"/>
+              <a:t>Apriori</a:t>
+            </a:r>
+            <a:endParaRPr lang="en-US" dirty="0"/>
+          </a:p>
+          <a:p>
+            <a:pPr lvl="1"/>
+            <a:r>
+              <a:rPr lang="en-IN" dirty="0"/>
+              <a:t>{Bread, Milk}: 3 transactions </a:t>
+            </a:r>
+          </a:p>
+          <a:p>
+            <a:pPr lvl="1"/>
+            <a:r>
+              <a:rPr lang="en-IN" dirty="0"/>
+              <a:t>{Bread, Butter}: 3 transactions </a:t>
+            </a:r>
+          </a:p>
+          <a:p>
+            <a:pPr lvl="1"/>
+            <a:r>
+              <a:rPr lang="en-IN" dirty="0"/>
+              <a:t>{Milk, Butter}: 3 transactions</a:t>
+            </a:r>
+            <a:endParaRPr lang="en-US" dirty="0"/>
+          </a:p>
+        </p:txBody>
+      </p:sp>
+      <p:sp>
+        <p:nvSpPr>
+          <p:cNvPr id="4" name="Content Placeholder 3">
+            <a:extLst>
+              <a:ext uri="{FF2B5EF4-FFF2-40B4-BE49-F238E27FC236}">
+                <a16:creationId xmlns:a16="http://schemas.microsoft.com/office/drawing/2014/main" id="{D41AFDC4-80C0-9A0D-ED99-9C44D2ADAD2D}"/>
+              </a:ext>
+            </a:extLst>
+          </p:cNvPr>
+          <p:cNvSpPr>
+            <a:spLocks noGrp="1"/>
+          </p:cNvSpPr>
+          <p:nvPr>
+            <p:ph sz="half" idx="2"/>
+          </p:nvPr>
+        </p:nvSpPr>
+        <p:spPr>
+          <a:xfrm>
+            <a:off x="5987441" y="2112265"/>
+            <a:ext cx="5962389" cy="3959351"/>
+          </a:xfrm>
+        </p:spPr>
+        <p:txBody>
+          <a:bodyPr/>
+          <a:lstStyle/>
+          <a:p>
+            <a:r>
+              <a:rPr lang="en-US" dirty="0"/>
+              <a:t>ECLAT</a:t>
+            </a:r>
+          </a:p>
+          <a:p>
+            <a:pPr lvl="1"/>
+            <a:r>
+              <a:rPr lang="en-IN" dirty="0"/>
+              <a:t>{Bread, Milk}: {T1, T2, T5} (3 transactions) </a:t>
+            </a:r>
+          </a:p>
+          <a:p>
+            <a:pPr lvl="1"/>
+            <a:r>
+              <a:rPr lang="en-IN" dirty="0"/>
+              <a:t>{Bread, Butter}: {T1, T4, T5} (3 transactions) </a:t>
+            </a:r>
+          </a:p>
+          <a:p>
+            <a:pPr lvl="1"/>
+            <a:r>
+              <a:rPr lang="en-IN" dirty="0"/>
+              <a:t>{Milk, Butter}: {T1, T3, T5} (3 transactions)</a:t>
+            </a:r>
+            <a:endParaRPr lang="en-US" dirty="0"/>
+          </a:p>
+        </p:txBody>
+      </p:sp>
+    </p:spTree>
+    <p:extLst>
+      <p:ext uri="{BB962C8B-B14F-4D97-AF65-F5344CB8AC3E}">
+        <p14:creationId xmlns:p14="http://schemas.microsoft.com/office/powerpoint/2010/main" val="1896293120"/>
+      </p:ext>
+    </p:extLst>
+  </p:cSld>
+  <p:clrMapOvr>
+    <a:masterClrMapping/>
+  </p:clrMapOvr>
+</p:sld>
+</file>
+
+<file path=ppt/slides/slide2.xml><?xml version="1.0" encoding="utf-8"?>
+<p:sld xmlns:a="http://schemas.openxmlformats.org/drawingml/2006/main" xmlns:r="http://schemas.openxmlformats.org/officeDocument/2006/relationships" xmlns:p="http://schemas.openxmlformats.org/presentationml/2006/main">
+  <p:cSld>
+    <p:spTree>
+      <p:nvGrpSpPr>
+        <p:cNvPr id="1" name=""/>
+        <p:cNvGrpSpPr/>
+        <p:nvPr/>
+      </p:nvGrpSpPr>
+      <p:grpSpPr>
+        <a:xfrm>
+          <a:off x="0" y="0"/>
+          <a:ext cx="0" cy="0"/>
+          <a:chOff x="0" y="0"/>
+          <a:chExt cx="0" cy="0"/>
+        </a:xfrm>
+      </p:grpSpPr>
+      <p:sp>
+        <p:nvSpPr>
+          <p:cNvPr id="2" name="Title 1">
+            <a:extLst>
+              <a:ext uri="{FF2B5EF4-FFF2-40B4-BE49-F238E27FC236}">
+                <a16:creationId xmlns:a16="http://schemas.microsoft.com/office/drawing/2014/main" id="{CD6E615E-65A1-60AB-57D7-84F40812D8F2}"/>
+              </a:ext>
+            </a:extLst>
+          </p:cNvPr>
+          <p:cNvSpPr>
+            <a:spLocks noGrp="1"/>
+          </p:cNvSpPr>
+          <p:nvPr>
+            <p:ph type="title"/>
+          </p:nvPr>
+        </p:nvSpPr>
+        <p:spPr/>
+        <p:txBody>
+          <a:bodyPr/>
+          <a:lstStyle/>
+          <a:p>
+            <a:r>
+              <a:rPr lang="en-US" dirty="0"/>
+              <a:t>Introduction</a:t>
+            </a:r>
+          </a:p>
+        </p:txBody>
+      </p:sp>
+      <p:sp>
+        <p:nvSpPr>
+          <p:cNvPr id="3" name="Content Placeholder 2">
+            <a:extLst>
+              <a:ext uri="{FF2B5EF4-FFF2-40B4-BE49-F238E27FC236}">
+                <a16:creationId xmlns:a16="http://schemas.microsoft.com/office/drawing/2014/main" id="{2A805483-9849-B16A-A05D-8465E2A0DED2}"/>
+              </a:ext>
+            </a:extLst>
+          </p:cNvPr>
+          <p:cNvSpPr>
+            <a:spLocks noGrp="1"/>
+          </p:cNvSpPr>
+          <p:nvPr>
+            <p:ph idx="1"/>
+          </p:nvPr>
+        </p:nvSpPr>
+        <p:spPr/>
+        <p:txBody>
+          <a:bodyPr/>
+          <a:lstStyle/>
+          <a:p>
+            <a:r>
+              <a:rPr lang="en-IN" dirty="0"/>
+              <a:t>A method for discovering interesting relationships (associations) between variables in large datasets.</a:t>
+            </a:r>
+          </a:p>
+          <a:p>
+            <a:r>
+              <a:rPr lang="en-IN" dirty="0"/>
+              <a:t>Commonly used in market basket analysis to identify products that frequently co-occur in transactions.</a:t>
+            </a:r>
+          </a:p>
+          <a:p>
+            <a:r>
+              <a:rPr lang="en-IN" dirty="0"/>
+              <a:t>Example: If a customer buys bread, they are likely to buy butter.</a:t>
+            </a:r>
+            <a:endParaRPr lang="en-US" dirty="0"/>
+          </a:p>
+        </p:txBody>
+      </p:sp>
+    </p:spTree>
+    <p:extLst>
+      <p:ext uri="{BB962C8B-B14F-4D97-AF65-F5344CB8AC3E}">
+        <p14:creationId xmlns:p14="http://schemas.microsoft.com/office/powerpoint/2010/main" val="3682728228"/>
+      </p:ext>
+    </p:extLst>
+  </p:cSld>
+  <p:clrMapOvr>
+    <a:masterClrMapping/>
+  </p:clrMapOvr>
+</p:sld>
+</file>
+
+<file path=ppt/slides/slide3.xml><?xml version="1.0" encoding="utf-8"?>
+<p:sld xmlns:a="http://schemas.openxmlformats.org/drawingml/2006/main" xmlns:r="http://schemas.openxmlformats.org/officeDocument/2006/relationships" xmlns:p="http://schemas.openxmlformats.org/presentationml/2006/main">
+  <p:cSld>
+    <p:spTree>
+      <p:nvGrpSpPr>
+        <p:cNvPr id="1" name=""/>
+        <p:cNvGrpSpPr/>
+        <p:nvPr/>
+      </p:nvGrpSpPr>
+      <p:grpSpPr>
+        <a:xfrm>
+          <a:off x="0" y="0"/>
+          <a:ext cx="0" cy="0"/>
+          <a:chOff x="0" y="0"/>
+          <a:chExt cx="0" cy="0"/>
+        </a:xfrm>
+      </p:grpSpPr>
+      <p:sp>
+        <p:nvSpPr>
+          <p:cNvPr id="2" name="Title 1">
+            <a:extLst>
+              <a:ext uri="{FF2B5EF4-FFF2-40B4-BE49-F238E27FC236}">
+                <a16:creationId xmlns:a16="http://schemas.microsoft.com/office/drawing/2014/main" id="{5B39ADC3-9AD6-AFF1-4856-A88102D0F7BA}"/>
+              </a:ext>
+            </a:extLst>
+          </p:cNvPr>
+          <p:cNvSpPr>
+            <a:spLocks noGrp="1"/>
+          </p:cNvSpPr>
+          <p:nvPr>
+            <p:ph type="title"/>
+          </p:nvPr>
+        </p:nvSpPr>
+        <p:spPr/>
+        <p:txBody>
+          <a:bodyPr/>
+          <a:lstStyle/>
+          <a:p>
+            <a:r>
+              <a:rPr lang="en-US" dirty="0"/>
+              <a:t>Frequency and Support</a:t>
+            </a:r>
+          </a:p>
+        </p:txBody>
+      </p:sp>
+      <mc:AlternateContent xmlns:mc="http://schemas.openxmlformats.org/markup-compatibility/2006" xmlns:a14="http://schemas.microsoft.com/office/drawing/2010/main">
+        <mc:Choice Requires="a14">
+          <p:sp>
+            <p:nvSpPr>
+              <p:cNvPr id="3" name="Content Placeholder 2">
+                <a:extLst>
+                  <a:ext uri="{FF2B5EF4-FFF2-40B4-BE49-F238E27FC236}">
+                    <a16:creationId xmlns:a16="http://schemas.microsoft.com/office/drawing/2014/main" id="{25E5289A-6331-C5EA-A199-3941E5283922}"/>
+                  </a:ext>
+                </a:extLst>
+              </p:cNvPr>
+              <p:cNvSpPr>
+                <a:spLocks noGrp="1"/>
+              </p:cNvSpPr>
+              <p:nvPr>
+                <p:ph idx="1"/>
+              </p:nvPr>
+            </p:nvSpPr>
+            <p:spPr/>
+            <p:txBody>
+              <a:bodyPr>
+                <a:normAutofit fontScale="92500" lnSpcReduction="20000"/>
+              </a:bodyPr>
+              <a:lstStyle/>
+              <a:p>
+                <a:pPr>
+                  <a:buFont typeface="Arial" panose="020B0604020202020204" pitchFamily="34" charset="0"/>
+                  <a:buChar char="•"/>
+                </a:pPr>
+                <a:r>
+                  <a:rPr lang="en-IN" b="1" dirty="0"/>
+                  <a:t>Frequent </a:t>
+                </a:r>
+                <a:r>
+                  <a:rPr lang="en-IN" b="1" dirty="0" err="1"/>
+                  <a:t>Itemsets</a:t>
+                </a:r>
+                <a:r>
+                  <a:rPr lang="en-IN" b="1" dirty="0"/>
+                  <a:t>:</a:t>
+                </a:r>
+              </a:p>
+              <a:p>
+                <a:pPr lvl="1"/>
+                <a:r>
+                  <a:rPr lang="en-IN" dirty="0"/>
+                  <a:t>An itemset is a collection of one or more items.</a:t>
+                </a:r>
+              </a:p>
+              <a:p>
+                <a:pPr lvl="1"/>
+                <a:r>
+                  <a:rPr lang="en-IN" dirty="0"/>
+                  <a:t>An itemset is considered frequent if it appears in the dataset at least as many times as a pre-specified threshold (minimum support).</a:t>
+                </a:r>
+              </a:p>
+              <a:p>
+                <a:pPr>
+                  <a:buFont typeface="Arial" panose="020B0604020202020204" pitchFamily="34" charset="0"/>
+                  <a:buChar char="•"/>
+                </a:pPr>
+                <a:r>
+                  <a:rPr lang="en-IN" b="1" dirty="0"/>
+                  <a:t>Support:</a:t>
+                </a:r>
+              </a:p>
+              <a:p>
+                <a:pPr lvl="1"/>
+                <a:r>
+                  <a:rPr lang="en-IN" dirty="0"/>
+                  <a:t>The proportion of transactions that contain the itemset.</a:t>
+                </a:r>
+              </a:p>
+              <a:p>
+                <a:pPr lvl="1"/>
+                <a:r>
+                  <a:rPr lang="en-IN" dirty="0"/>
+                  <a:t>Formula:</a:t>
+                </a:r>
+              </a:p>
+              <a:p>
+                <a:pPr lvl="2"/>
+                <a14:m>
+                  <m:oMath xmlns:m="http://schemas.openxmlformats.org/officeDocument/2006/math">
+                    <m:r>
+                      <a:rPr lang="en-US" sz="3500" b="0" i="1" smtClean="0">
+                        <a:latin typeface="Cambria Math" panose="02040503050406030204" pitchFamily="18" charset="0"/>
+                      </a:rPr>
+                      <m:t>𝑆𝑢𝑝𝑝𝑜𝑟𝑡</m:t>
+                    </m:r>
+                    <m:d>
+                      <m:dPr>
+                        <m:ctrlPr>
+                          <a:rPr lang="en-US" sz="3500" b="0" i="1" smtClean="0">
+                            <a:latin typeface="Cambria Math" panose="02040503050406030204" pitchFamily="18" charset="0"/>
+                          </a:rPr>
+                        </m:ctrlPr>
+                      </m:dPr>
+                      <m:e>
+                        <m:r>
+                          <a:rPr lang="en-US" sz="3500" b="0" i="1" smtClean="0">
+                            <a:latin typeface="Cambria Math" panose="02040503050406030204" pitchFamily="18" charset="0"/>
+                          </a:rPr>
+                          <m:t>𝑋</m:t>
+                        </m:r>
+                      </m:e>
+                    </m:d>
+                    <m:r>
+                      <a:rPr lang="en-US" sz="3500" b="0" i="1" smtClean="0">
+                        <a:latin typeface="Cambria Math" panose="02040503050406030204" pitchFamily="18" charset="0"/>
+                      </a:rPr>
+                      <m:t>=</m:t>
+                    </m:r>
+                    <m:f>
+                      <m:fPr>
+                        <m:ctrlPr>
+                          <a:rPr lang="en-US" sz="3500" b="0" i="1" smtClean="0">
+                            <a:latin typeface="Cambria Math" panose="02040503050406030204" pitchFamily="18" charset="0"/>
+                          </a:rPr>
+                        </m:ctrlPr>
+                      </m:fPr>
+                      <m:num>
+                        <m:d>
+                          <m:dPr>
+                            <m:ctrlPr>
+                              <a:rPr lang="en-US" sz="3500" b="0" i="1" smtClean="0">
+                                <a:latin typeface="Cambria Math" panose="02040503050406030204" pitchFamily="18" charset="0"/>
+                              </a:rPr>
+                            </m:ctrlPr>
+                          </m:dPr>
+                          <m:e>
+                            <m:r>
+                              <a:rPr lang="en-US" sz="3500" b="0" i="1" smtClean="0">
+                                <a:latin typeface="Cambria Math" panose="02040503050406030204" pitchFamily="18" charset="0"/>
+                              </a:rPr>
+                              <m:t>𝑁𝑢𝑚𝑏𝑒𝑟</m:t>
+                            </m:r>
+                            <m:r>
+                              <a:rPr lang="en-US" sz="3500" b="0" i="1" smtClean="0">
+                                <a:latin typeface="Cambria Math" panose="02040503050406030204" pitchFamily="18" charset="0"/>
+                              </a:rPr>
+                              <m:t> </m:t>
+                            </m:r>
+                            <m:r>
+                              <a:rPr lang="en-US" sz="3500" b="0" i="1" smtClean="0">
+                                <a:latin typeface="Cambria Math" panose="02040503050406030204" pitchFamily="18" charset="0"/>
+                              </a:rPr>
+                              <m:t>𝑜𝑓</m:t>
+                            </m:r>
+                            <m:r>
+                              <a:rPr lang="en-US" sz="3500" b="0" i="1" smtClean="0">
+                                <a:latin typeface="Cambria Math" panose="02040503050406030204" pitchFamily="18" charset="0"/>
+                              </a:rPr>
+                              <m:t> </m:t>
+                            </m:r>
+                            <m:r>
+                              <a:rPr lang="en-US" sz="3500" b="0" i="1" smtClean="0">
+                                <a:latin typeface="Cambria Math" panose="02040503050406030204" pitchFamily="18" charset="0"/>
+                              </a:rPr>
+                              <m:t>𝑡𝑟𝑎𝑛𝑠𝑎𝑐𝑡𝑖𝑜𝑛𝑠</m:t>
+                            </m:r>
+                            <m:r>
+                              <a:rPr lang="en-US" sz="3500" b="0" i="1" smtClean="0">
+                                <a:latin typeface="Cambria Math" panose="02040503050406030204" pitchFamily="18" charset="0"/>
+                              </a:rPr>
+                              <m:t> </m:t>
+                            </m:r>
+                            <m:r>
+                              <a:rPr lang="en-US" sz="3500" b="0" i="1" smtClean="0">
+                                <a:latin typeface="Cambria Math" panose="02040503050406030204" pitchFamily="18" charset="0"/>
+                              </a:rPr>
+                              <m:t>𝐶𝑜𝑛𝑡𝑎𝑖𝑛𝑖𝑛𝑔</m:t>
+                            </m:r>
+                            <m:r>
+                              <a:rPr lang="en-US" sz="3500" b="0" i="1" smtClean="0">
+                                <a:latin typeface="Cambria Math" panose="02040503050406030204" pitchFamily="18" charset="0"/>
+                              </a:rPr>
+                              <m:t> </m:t>
+                            </m:r>
+                            <m:r>
+                              <a:rPr lang="en-US" sz="3500" b="0" i="1" smtClean="0">
+                                <a:latin typeface="Cambria Math" panose="02040503050406030204" pitchFamily="18" charset="0"/>
+                              </a:rPr>
+                              <m:t>𝑋</m:t>
+                            </m:r>
+                          </m:e>
+                        </m:d>
+                      </m:num>
+                      <m:den>
+                        <m:r>
+                          <a:rPr lang="en-US" sz="3500" i="1">
+                            <a:latin typeface="Cambria Math" panose="02040503050406030204" pitchFamily="18" charset="0"/>
+                          </a:rPr>
+                          <m:t>(</m:t>
+                        </m:r>
+                        <m:r>
+                          <a:rPr lang="en-US" sz="3500" i="1">
+                            <a:latin typeface="Cambria Math" panose="02040503050406030204" pitchFamily="18" charset="0"/>
+                          </a:rPr>
+                          <m:t>𝑇𝑜𝑡𝑎𝑙</m:t>
+                        </m:r>
+                        <m:r>
+                          <a:rPr lang="en-US" sz="3500" i="1">
+                            <a:latin typeface="Cambria Math" panose="02040503050406030204" pitchFamily="18" charset="0"/>
+                          </a:rPr>
+                          <m:t> </m:t>
+                        </m:r>
+                        <m:r>
+                          <a:rPr lang="en-US" sz="3500" i="1">
+                            <a:latin typeface="Cambria Math" panose="02040503050406030204" pitchFamily="18" charset="0"/>
+                          </a:rPr>
+                          <m:t>𝑛𝑢𝑚𝑏𝑒𝑟</m:t>
+                        </m:r>
+                        <m:r>
+                          <a:rPr lang="en-US" sz="3500" i="1">
+                            <a:latin typeface="Cambria Math" panose="02040503050406030204" pitchFamily="18" charset="0"/>
+                          </a:rPr>
+                          <m:t> </m:t>
+                        </m:r>
+                        <m:r>
+                          <a:rPr lang="en-US" sz="3500" i="1">
+                            <a:latin typeface="Cambria Math" panose="02040503050406030204" pitchFamily="18" charset="0"/>
+                          </a:rPr>
+                          <m:t>𝑜𝑓</m:t>
+                        </m:r>
+                        <m:r>
+                          <a:rPr lang="en-US" sz="3500" i="1">
+                            <a:latin typeface="Cambria Math" panose="02040503050406030204" pitchFamily="18" charset="0"/>
+                          </a:rPr>
+                          <m:t> </m:t>
+                        </m:r>
+                        <m:r>
+                          <a:rPr lang="en-US" sz="3500" i="1">
+                            <a:latin typeface="Cambria Math" panose="02040503050406030204" pitchFamily="18" charset="0"/>
+                          </a:rPr>
+                          <m:t>𝑇𝑟𝑎𝑛𝑠𝑎𝑐𝑡𝑖𝑜𝑛𝑠</m:t>
+                        </m:r>
+                        <m:r>
+                          <a:rPr lang="en-US" sz="3500" b="0" i="1" smtClean="0">
+                            <a:latin typeface="Cambria Math" panose="02040503050406030204" pitchFamily="18" charset="0"/>
+                          </a:rPr>
+                          <m:t>)</m:t>
+                        </m:r>
+                      </m:den>
+                    </m:f>
+                  </m:oMath>
+                </a14:m>
+                <a:endParaRPr lang="en-US" dirty="0"/>
+              </a:p>
+            </p:txBody>
+          </p:sp>
+        </mc:Choice>
+        <mc:Fallback xmlns="">
+          <p:sp>
+            <p:nvSpPr>
+              <p:cNvPr id="3" name="Content Placeholder 2">
+                <a:extLst>
+                  <a:ext uri="{FF2B5EF4-FFF2-40B4-BE49-F238E27FC236}">
+                    <a16:creationId xmlns:a16="http://schemas.microsoft.com/office/drawing/2014/main" id="{25E5289A-6331-C5EA-A199-3941E5283922}"/>
+                  </a:ext>
+                </a:extLst>
+              </p:cNvPr>
+              <p:cNvSpPr>
+                <a:spLocks noGrp="1" noRot="1" noChangeAspect="1" noMove="1" noResize="1" noEditPoints="1" noAdjustHandles="1" noChangeArrowheads="1" noChangeShapeType="1" noTextEdit="1"/>
+              </p:cNvSpPr>
+              <p:nvPr>
+                <p:ph idx="1"/>
+              </p:nvPr>
+            </p:nvSpPr>
+            <p:spPr>
+              <a:blipFill>
+                <a:blip r:embed="rId2"/>
+                <a:stretch>
+                  <a:fillRect l="-1611" t="-2236"/>
+                </a:stretch>
+              </a:blipFill>
+            </p:spPr>
+            <p:txBody>
+              <a:bodyPr/>
+              <a:lstStyle/>
+              <a:p>
+                <a:r>
+                  <a:rPr lang="en-US">
+                    <a:noFill/>
+                  </a:rPr>
+                  <a:t> </a:t>
+                </a:r>
+              </a:p>
+            </p:txBody>
+          </p:sp>
+        </mc:Fallback>
+      </mc:AlternateContent>
+    </p:spTree>
+    <p:extLst>
+      <p:ext uri="{BB962C8B-B14F-4D97-AF65-F5344CB8AC3E}">
+        <p14:creationId xmlns:p14="http://schemas.microsoft.com/office/powerpoint/2010/main" val="147654129"/>
+      </p:ext>
+    </p:extLst>
+  </p:cSld>
+  <p:clrMapOvr>
+    <a:masterClrMapping/>
+  </p:clrMapOvr>
+</p:sld>
+</file>
+
+<file path=ppt/slides/slide4.xml><?xml version="1.0" encoding="utf-8"?>
+<p:sld xmlns:a="http://schemas.openxmlformats.org/drawingml/2006/main" xmlns:r="http://schemas.openxmlformats.org/officeDocument/2006/relationships" xmlns:p="http://schemas.openxmlformats.org/presentationml/2006/main">
+  <p:cSld>
+    <p:spTree>
+      <p:nvGrpSpPr>
+        <p:cNvPr id="1" name=""/>
+        <p:cNvGrpSpPr/>
+        <p:nvPr/>
+      </p:nvGrpSpPr>
+      <p:grpSpPr>
+        <a:xfrm>
+          <a:off x="0" y="0"/>
+          <a:ext cx="0" cy="0"/>
+          <a:chOff x="0" y="0"/>
+          <a:chExt cx="0" cy="0"/>
+        </a:xfrm>
+      </p:grpSpPr>
+      <p:sp>
+        <p:nvSpPr>
+          <p:cNvPr id="2" name="Title 1">
+            <a:extLst>
+              <a:ext uri="{FF2B5EF4-FFF2-40B4-BE49-F238E27FC236}">
+                <a16:creationId xmlns:a16="http://schemas.microsoft.com/office/drawing/2014/main" id="{AE104BE7-F79A-AF08-2BFA-2F91127EEB39}"/>
+              </a:ext>
+            </a:extLst>
+          </p:cNvPr>
+          <p:cNvSpPr>
+            <a:spLocks noGrp="1"/>
+          </p:cNvSpPr>
+          <p:nvPr>
+            <p:ph type="title"/>
+          </p:nvPr>
+        </p:nvSpPr>
+        <p:spPr/>
+        <p:txBody>
+          <a:bodyPr/>
+          <a:lstStyle/>
+          <a:p>
+            <a:r>
+              <a:rPr lang="en-US" dirty="0"/>
+              <a:t>Confidence, lift</a:t>
+            </a:r>
+          </a:p>
+        </p:txBody>
+      </p:sp>
+      <mc:AlternateContent xmlns:mc="http://schemas.openxmlformats.org/markup-compatibility/2006">
+        <mc:Choice xmlns:a14="http://schemas.microsoft.com/office/drawing/2010/main" Requires="a14">
+          <p:sp>
+            <p:nvSpPr>
+              <p:cNvPr id="3" name="Content Placeholder 2">
+                <a:extLst>
+                  <a:ext uri="{FF2B5EF4-FFF2-40B4-BE49-F238E27FC236}">
+                    <a16:creationId xmlns:a16="http://schemas.microsoft.com/office/drawing/2014/main" id="{EA51E2F9-9DD9-2204-5537-925083831EFD}"/>
+                  </a:ext>
+                </a:extLst>
+              </p:cNvPr>
+              <p:cNvSpPr>
+                <a:spLocks noGrp="1"/>
+              </p:cNvSpPr>
+              <p:nvPr>
+                <p:ph idx="1"/>
+              </p:nvPr>
+            </p:nvSpPr>
+            <p:spPr/>
+            <p:txBody>
+              <a:bodyPr>
+                <a:normAutofit fontScale="92500"/>
+              </a:bodyPr>
+              <a:lstStyle/>
+              <a:p>
+                <a:pPr>
+                  <a:buFont typeface="Arial" panose="020B0604020202020204" pitchFamily="34" charset="0"/>
+                  <a:buChar char="•"/>
+                </a:pPr>
+                <a:r>
+                  <a:rPr lang="en-IN" b="1" dirty="0"/>
+                  <a:t>Confidence:</a:t>
+                </a:r>
+              </a:p>
+              <a:p>
+                <a:pPr lvl="1"/>
+                <a:r>
+                  <a:rPr lang="en-IN" dirty="0"/>
+                  <a:t>The likelihood that a transaction containing itemset X also contains itemset Y.</a:t>
+                </a:r>
+              </a:p>
+              <a:p>
+                <a:pPr marL="457200" lvl="1" indent="0">
+                  <a:buNone/>
+                </a:pPr>
+                <a14:m>
+                  <m:oMathPara xmlns:m="http://schemas.openxmlformats.org/officeDocument/2006/math">
+                    <m:oMathParaPr>
+                      <m:jc m:val="center"/>
+                    </m:oMathParaPr>
+                    <m:oMath xmlns:m="http://schemas.openxmlformats.org/officeDocument/2006/math">
+                      <m:r>
+                        <a:rPr lang="en-US" sz="2200" b="0" i="1" smtClean="0">
+                          <a:latin typeface="Cambria Math" panose="02040503050406030204" pitchFamily="18" charset="0"/>
+                        </a:rPr>
+                        <m:t>𝐶𝑜𝑛𝑓𝑖𝑑𝑒𝑛𝑐𝑒</m:t>
+                      </m:r>
+                      <m:d>
+                        <m:dPr>
+                          <m:ctrlPr>
+                            <a:rPr lang="en-US" sz="2200" b="0" i="1" smtClean="0">
+                              <a:latin typeface="Cambria Math" panose="02040503050406030204" pitchFamily="18" charset="0"/>
+                            </a:rPr>
+                          </m:ctrlPr>
+                        </m:dPr>
+                        <m:e>
+                          <m:r>
+                            <a:rPr lang="en-US" sz="2200" b="0" i="1" smtClean="0">
+                              <a:latin typeface="Cambria Math" panose="02040503050406030204" pitchFamily="18" charset="0"/>
+                            </a:rPr>
+                            <m:t>𝑋</m:t>
+                          </m:r>
+                          <m:r>
+                            <a:rPr lang="en-US" sz="2200" b="0" i="1" smtClean="0">
+                              <a:latin typeface="Cambria Math" panose="02040503050406030204" pitchFamily="18" charset="0"/>
+                            </a:rPr>
+                            <m:t>→</m:t>
+                          </m:r>
+                          <m:r>
+                            <a:rPr lang="en-US" sz="2200" b="0" i="1" smtClean="0">
+                              <a:latin typeface="Cambria Math" panose="02040503050406030204" pitchFamily="18" charset="0"/>
+                            </a:rPr>
+                            <m:t>𝑌</m:t>
+                          </m:r>
+                        </m:e>
+                      </m:d>
+                      <m:r>
+                        <a:rPr lang="en-US" sz="2200" b="0" i="1" smtClean="0">
+                          <a:latin typeface="Cambria Math" panose="02040503050406030204" pitchFamily="18" charset="0"/>
+                        </a:rPr>
+                        <m:t>=</m:t>
+                      </m:r>
+                      <m:f>
+                        <m:fPr>
+                          <m:ctrlPr>
+                            <a:rPr lang="en-US" sz="2200" b="0" i="1" smtClean="0">
+                              <a:latin typeface="Cambria Math" panose="02040503050406030204" pitchFamily="18" charset="0"/>
+                              <a:ea typeface="Cambria Math" panose="02040503050406030204" pitchFamily="18" charset="0"/>
+                            </a:rPr>
+                          </m:ctrlPr>
+                        </m:fPr>
+                        <m:num>
+                          <m:r>
+                            <a:rPr lang="en-US" sz="2200" b="0" i="1" smtClean="0">
+                              <a:latin typeface="Cambria Math" panose="02040503050406030204" pitchFamily="18" charset="0"/>
+                            </a:rPr>
+                            <m:t>𝑆𝑢𝑝𝑝𝑜𝑟𝑡</m:t>
+                          </m:r>
+                          <m:d>
+                            <m:dPr>
+                              <m:ctrlPr>
+                                <a:rPr lang="en-US" sz="2200" b="0" i="1" smtClean="0">
+                                  <a:latin typeface="Cambria Math" panose="02040503050406030204" pitchFamily="18" charset="0"/>
+                                </a:rPr>
+                              </m:ctrlPr>
+                            </m:dPr>
+                            <m:e>
+                              <m:r>
+                                <a:rPr lang="en-US" sz="2200" b="0" i="1" smtClean="0">
+                                  <a:latin typeface="Cambria Math" panose="02040503050406030204" pitchFamily="18" charset="0"/>
+                                </a:rPr>
+                                <m:t>𝑋</m:t>
+                              </m:r>
+                              <m:r>
+                                <a:rPr lang="en-US" sz="2200" b="0" i="1" smtClean="0">
+                                  <a:latin typeface="Cambria Math" panose="02040503050406030204" pitchFamily="18" charset="0"/>
+                                </a:rPr>
+                                <m:t> </m:t>
+                              </m:r>
+                              <m:r>
+                                <a:rPr lang="en-US" sz="2200" b="0" i="1" smtClean="0">
+                                  <a:latin typeface="Cambria Math" panose="02040503050406030204" pitchFamily="18" charset="0"/>
+                                </a:rPr>
+                                <m:t>𝑖𝑛𝑡𝑒𝑟𝑠𝑒𝑐𝑡𝑖𝑜𝑛</m:t>
+                              </m:r>
+                              <m:r>
+                                <a:rPr lang="en-US" sz="2200" b="0" i="1" smtClean="0">
+                                  <a:latin typeface="Cambria Math" panose="02040503050406030204" pitchFamily="18" charset="0"/>
+                                </a:rPr>
+                                <m:t> </m:t>
+                              </m:r>
+                              <m:r>
+                                <a:rPr lang="en-US" sz="2200" b="0" i="1" smtClean="0">
+                                  <a:latin typeface="Cambria Math" panose="02040503050406030204" pitchFamily="18" charset="0"/>
+                                  <a:ea typeface="Cambria Math" panose="02040503050406030204" pitchFamily="18" charset="0"/>
+                                </a:rPr>
+                                <m:t>𝑌</m:t>
+                              </m:r>
+                            </m:e>
+                          </m:d>
+                        </m:num>
+                        <m:den>
+                          <m:r>
+                            <a:rPr lang="en-US" sz="2200" b="0" i="1" smtClean="0">
+                              <a:latin typeface="Cambria Math" panose="02040503050406030204" pitchFamily="18" charset="0"/>
+                              <a:ea typeface="Cambria Math" panose="02040503050406030204" pitchFamily="18" charset="0"/>
+                            </a:rPr>
+                            <m:t>𝑆𝑢𝑝𝑝𝑜𝑟𝑡</m:t>
+                          </m:r>
+                          <m:r>
+                            <a:rPr lang="en-US" sz="2200" b="0" i="1" smtClean="0">
+                              <a:latin typeface="Cambria Math" panose="02040503050406030204" pitchFamily="18" charset="0"/>
+                              <a:ea typeface="Cambria Math" panose="02040503050406030204" pitchFamily="18" charset="0"/>
+                            </a:rPr>
+                            <m:t>(</m:t>
+                          </m:r>
+                          <m:r>
+                            <a:rPr lang="en-US" sz="2200" b="0" i="1" smtClean="0">
+                              <a:latin typeface="Cambria Math" panose="02040503050406030204" pitchFamily="18" charset="0"/>
+                              <a:ea typeface="Cambria Math" panose="02040503050406030204" pitchFamily="18" charset="0"/>
+                            </a:rPr>
+                            <m:t>𝑋</m:t>
+                          </m:r>
+                          <m:r>
+                            <a:rPr lang="en-US" sz="2200" b="0" i="1" smtClean="0">
+                              <a:latin typeface="Cambria Math" panose="02040503050406030204" pitchFamily="18" charset="0"/>
+                              <a:ea typeface="Cambria Math" panose="02040503050406030204" pitchFamily="18" charset="0"/>
+                            </a:rPr>
+                            <m:t>)</m:t>
+                          </m:r>
+                        </m:den>
+                      </m:f>
+                    </m:oMath>
+                  </m:oMathPara>
+                </a14:m>
+                <a:endParaRPr lang="en-IN" dirty="0"/>
+              </a:p>
+              <a:p>
+                <a:pPr>
+                  <a:buFont typeface="Arial" panose="020B0604020202020204" pitchFamily="34" charset="0"/>
+                  <a:buChar char="•"/>
+                </a:pPr>
+                <a:r>
+                  <a:rPr lang="en-IN" b="1" dirty="0"/>
+                  <a:t>Lift:</a:t>
+                </a:r>
+              </a:p>
+              <a:p>
+                <a:pPr lvl="1"/>
+                <a:r>
+                  <a:rPr lang="en-IN" dirty="0"/>
+                  <a:t>The ratio of the observed support to the expected support under independence.</a:t>
+                </a:r>
+              </a:p>
+              <a:p>
+                <a:pPr marL="457200" lvl="1" indent="0">
+                  <a:buNone/>
+                </a:pPr>
+                <a14:m>
+                  <m:oMathPara xmlns:m="http://schemas.openxmlformats.org/officeDocument/2006/math">
+                    <m:oMathParaPr>
+                      <m:jc m:val="center"/>
+                    </m:oMathParaPr>
+                    <m:oMath xmlns:m="http://schemas.openxmlformats.org/officeDocument/2006/math">
+                      <m:r>
+                        <a:rPr lang="en-US" b="0" i="1" smtClean="0">
+                          <a:latin typeface="Cambria Math" panose="02040503050406030204" pitchFamily="18" charset="0"/>
+                        </a:rPr>
+                        <m:t>𝐿𝑖𝑓𝑡</m:t>
+                      </m:r>
+                      <m:d>
+                        <m:dPr>
+                          <m:ctrlPr>
+                            <a:rPr lang="en-US" b="0" i="1" smtClean="0">
+                              <a:latin typeface="Cambria Math" panose="02040503050406030204" pitchFamily="18" charset="0"/>
+                            </a:rPr>
+                          </m:ctrlPr>
+                        </m:dPr>
+                        <m:e>
+                          <m:r>
+                            <a:rPr lang="en-US" b="0" i="1" smtClean="0">
+                              <a:latin typeface="Cambria Math" panose="02040503050406030204" pitchFamily="18" charset="0"/>
+                            </a:rPr>
+                            <m:t>𝑋</m:t>
+                          </m:r>
+                          <m:r>
+                            <a:rPr lang="en-US" b="0" i="1" smtClean="0">
+                              <a:latin typeface="Cambria Math" panose="02040503050406030204" pitchFamily="18" charset="0"/>
+                            </a:rPr>
+                            <m:t>→</m:t>
+                          </m:r>
+                          <m:r>
+                            <a:rPr lang="en-US" b="0" i="1" smtClean="0">
+                              <a:latin typeface="Cambria Math" panose="02040503050406030204" pitchFamily="18" charset="0"/>
+                            </a:rPr>
+                            <m:t>𝑌</m:t>
+                          </m:r>
+                        </m:e>
+                      </m:d>
+                      <m:r>
+                        <a:rPr lang="en-US" b="0" i="1" smtClean="0">
+                          <a:latin typeface="Cambria Math" panose="02040503050406030204" pitchFamily="18" charset="0"/>
+                        </a:rPr>
+                        <m:t>=</m:t>
+                      </m:r>
+                      <m:f>
+                        <m:fPr>
+                          <m:ctrlPr>
+                            <a:rPr lang="en-US" b="0" i="1" smtClean="0">
+                              <a:latin typeface="Cambria Math" panose="02040503050406030204" pitchFamily="18" charset="0"/>
+                            </a:rPr>
+                          </m:ctrlPr>
+                        </m:fPr>
+                        <m:num>
+                          <m:r>
+                            <a:rPr lang="en-US" b="0" i="1" smtClean="0">
+                              <a:latin typeface="Cambria Math" panose="02040503050406030204" pitchFamily="18" charset="0"/>
+                            </a:rPr>
+                            <m:t>𝐶𝑜𝑛𝑓𝑖𝑑𝑒𝑛𝑐𝑒</m:t>
+                          </m:r>
+                          <m:d>
+                            <m:dPr>
+                              <m:ctrlPr>
+                                <a:rPr lang="en-US" b="0" i="1" smtClean="0">
+                                  <a:latin typeface="Cambria Math" panose="02040503050406030204" pitchFamily="18" charset="0"/>
+                                </a:rPr>
+                              </m:ctrlPr>
+                            </m:dPr>
+                            <m:e>
+                              <m:r>
+                                <a:rPr lang="en-US" b="0" i="1" smtClean="0">
+                                  <a:latin typeface="Cambria Math" panose="02040503050406030204" pitchFamily="18" charset="0"/>
+                                </a:rPr>
+                                <m:t>𝑋</m:t>
+                              </m:r>
+                              <m:r>
+                                <a:rPr lang="en-US" b="0" i="1" smtClean="0">
+                                  <a:latin typeface="Cambria Math" panose="02040503050406030204" pitchFamily="18" charset="0"/>
+                                </a:rPr>
+                                <m:t>→</m:t>
+                              </m:r>
+                              <m:r>
+                                <a:rPr lang="en-US" b="0" i="1" smtClean="0">
+                                  <a:latin typeface="Cambria Math" panose="02040503050406030204" pitchFamily="18" charset="0"/>
+                                </a:rPr>
+                                <m:t>𝑌</m:t>
+                              </m:r>
+                            </m:e>
+                          </m:d>
+                        </m:num>
+                        <m:den>
+                          <m:r>
+                            <a:rPr lang="en-US" b="0" i="1" smtClean="0">
+                              <a:latin typeface="Cambria Math" panose="02040503050406030204" pitchFamily="18" charset="0"/>
+                            </a:rPr>
+                            <m:t>𝑆𝑢𝑝𝑝𝑜𝑟𝑡</m:t>
+                          </m:r>
+                          <m:r>
+                            <a:rPr lang="en-US" b="0" i="1" smtClean="0">
+                              <a:latin typeface="Cambria Math" panose="02040503050406030204" pitchFamily="18" charset="0"/>
+                            </a:rPr>
+                            <m:t> (</m:t>
+                          </m:r>
+                          <m:r>
+                            <a:rPr lang="en-US" b="0" i="1" smtClean="0">
+                              <a:latin typeface="Cambria Math" panose="02040503050406030204" pitchFamily="18" charset="0"/>
+                            </a:rPr>
+                            <m:t>𝑌</m:t>
+                          </m:r>
+                          <m:r>
+                            <a:rPr lang="en-US" b="0" i="1" smtClean="0">
+                              <a:latin typeface="Cambria Math" panose="02040503050406030204" pitchFamily="18" charset="0"/>
+                            </a:rPr>
+                            <m:t>)</m:t>
+                          </m:r>
+                        </m:den>
+                      </m:f>
+                    </m:oMath>
+                  </m:oMathPara>
+                </a14:m>
+                <a:endParaRPr lang="en-IN" dirty="0"/>
+              </a:p>
+              <a:p>
+                <a:pPr lvl="1"/>
+                <a:r>
+                  <a:rPr lang="en-IN" dirty="0"/>
+                  <a:t>Lift &gt; 1 indicates a positive association between X and Y.</a:t>
+                </a:r>
+              </a:p>
+              <a:p>
+                <a:endParaRPr lang="en-US" dirty="0"/>
+              </a:p>
+            </p:txBody>
+          </p:sp>
+        </mc:Choice>
+        <mc:Fallback>
+          <p:sp>
+            <p:nvSpPr>
+              <p:cNvPr id="3" name="Content Placeholder 2">
+                <a:extLst>
+                  <a:ext uri="{FF2B5EF4-FFF2-40B4-BE49-F238E27FC236}">
+                    <a16:creationId xmlns:a16="http://schemas.microsoft.com/office/drawing/2014/main" id="{EA51E2F9-9DD9-2204-5537-925083831EFD}"/>
+                  </a:ext>
+                </a:extLst>
+              </p:cNvPr>
+              <p:cNvSpPr>
+                <a:spLocks noGrp="1" noRot="1" noChangeAspect="1" noMove="1" noResize="1" noEditPoints="1" noAdjustHandles="1" noChangeArrowheads="1" noChangeShapeType="1" noTextEdit="1"/>
+              </p:cNvSpPr>
+              <p:nvPr>
+                <p:ph idx="1"/>
+              </p:nvPr>
+            </p:nvSpPr>
+            <p:spPr>
+              <a:blipFill>
+                <a:blip r:embed="rId2"/>
+                <a:stretch>
+                  <a:fillRect l="-1611" t="-1278" b="-3514"/>
+                </a:stretch>
+              </a:blipFill>
+            </p:spPr>
+            <p:txBody>
+              <a:bodyPr/>
+              <a:lstStyle/>
+              <a:p>
+                <a:r>
+                  <a:rPr lang="en-US">
+                    <a:noFill/>
+                  </a:rPr>
+                  <a:t> </a:t>
+                </a:r>
+              </a:p>
+            </p:txBody>
+          </p:sp>
+        </mc:Fallback>
+      </mc:AlternateContent>
+    </p:spTree>
+    <p:extLst>
+      <p:ext uri="{BB962C8B-B14F-4D97-AF65-F5344CB8AC3E}">
+        <p14:creationId xmlns:p14="http://schemas.microsoft.com/office/powerpoint/2010/main" val="2761904063"/>
+      </p:ext>
+    </p:extLst>
+  </p:cSld>
+  <p:clrMapOvr>
+    <a:masterClrMapping/>
+  </p:clrMapOvr>
+</p:sld>
+</file>
+
+<file path=ppt/slides/slide5.xml><?xml version="1.0" encoding="utf-8"?>
+<p:sld xmlns:a="http://schemas.openxmlformats.org/drawingml/2006/main" xmlns:r="http://schemas.openxmlformats.org/officeDocument/2006/relationships" xmlns:p="http://schemas.openxmlformats.org/presentationml/2006/main">
+  <p:cSld>
+    <p:spTree>
+      <p:nvGrpSpPr>
+        <p:cNvPr id="1" name=""/>
+        <p:cNvGrpSpPr/>
+        <p:nvPr/>
+      </p:nvGrpSpPr>
+      <p:grpSpPr>
+        <a:xfrm>
+          <a:off x="0" y="0"/>
+          <a:ext cx="0" cy="0"/>
+          <a:chOff x="0" y="0"/>
+          <a:chExt cx="0" cy="0"/>
+        </a:xfrm>
+      </p:grpSpPr>
+      <p:sp>
+        <p:nvSpPr>
+          <p:cNvPr id="2" name="Title 1">
+            <a:extLst>
+              <a:ext uri="{FF2B5EF4-FFF2-40B4-BE49-F238E27FC236}">
+                <a16:creationId xmlns:a16="http://schemas.microsoft.com/office/drawing/2014/main" id="{0E8B26C4-62BE-E3B5-5F8E-12E2C64198DF}"/>
+              </a:ext>
+            </a:extLst>
+          </p:cNvPr>
+          <p:cNvSpPr>
+            <a:spLocks noGrp="1"/>
+          </p:cNvSpPr>
+          <p:nvPr>
+            <p:ph type="title"/>
+          </p:nvPr>
+        </p:nvSpPr>
+        <p:spPr/>
+        <p:txBody>
+          <a:bodyPr/>
+          <a:lstStyle/>
+          <a:p>
+            <a:endParaRPr lang="en-US"/>
+          </a:p>
+        </p:txBody>
+      </p:sp>
+      <p:sp>
+        <p:nvSpPr>
+          <p:cNvPr id="3" name="Content Placeholder 2">
+            <a:extLst>
+              <a:ext uri="{FF2B5EF4-FFF2-40B4-BE49-F238E27FC236}">
+                <a16:creationId xmlns:a16="http://schemas.microsoft.com/office/drawing/2014/main" id="{2534DF6A-4BB6-1926-A278-0B12BEDE811F}"/>
+              </a:ext>
+            </a:extLst>
+          </p:cNvPr>
+          <p:cNvSpPr>
+            <a:spLocks noGrp="1"/>
+          </p:cNvSpPr>
+          <p:nvPr>
+            <p:ph idx="1"/>
+          </p:nvPr>
+        </p:nvSpPr>
+        <p:spPr/>
+        <p:txBody>
+          <a:bodyPr/>
+          <a:lstStyle/>
+          <a:p>
+            <a:r>
+              <a:rPr lang="en-US" dirty="0"/>
+              <a:t>Total = 100</a:t>
+            </a:r>
+          </a:p>
+          <a:p>
+            <a:endParaRPr lang="en-US" dirty="0"/>
+          </a:p>
+          <a:p>
+            <a:r>
+              <a:rPr lang="en-US" dirty="0"/>
+              <a:t>Tomato = 100</a:t>
+            </a:r>
+          </a:p>
+          <a:p>
+            <a:r>
+              <a:rPr lang="en-US" dirty="0"/>
+              <a:t>Bread = 40</a:t>
+            </a:r>
+          </a:p>
+          <a:p>
+            <a:r>
+              <a:rPr lang="en-US" dirty="0"/>
+              <a:t>Jam = 15</a:t>
+            </a:r>
+          </a:p>
+          <a:p>
+            <a:endParaRPr lang="en-US" dirty="0"/>
+          </a:p>
+          <a:p>
+            <a:endParaRPr lang="en-US" dirty="0"/>
+          </a:p>
+        </p:txBody>
+      </p:sp>
+    </p:spTree>
+    <p:extLst>
+      <p:ext uri="{BB962C8B-B14F-4D97-AF65-F5344CB8AC3E}">
+        <p14:creationId xmlns:p14="http://schemas.microsoft.com/office/powerpoint/2010/main" val="2812910590"/>
+      </p:ext>
+    </p:extLst>
+  </p:cSld>
+  <p:clrMapOvr>
+    <a:masterClrMapping/>
+  </p:clrMapOvr>
+</p:sld>
+</file>
+
+<file path=ppt/slides/slide6.xml><?xml version="1.0" encoding="utf-8"?>
+<p:sld xmlns:a="http://schemas.openxmlformats.org/drawingml/2006/main" xmlns:r="http://schemas.openxmlformats.org/officeDocument/2006/relationships" xmlns:p="http://schemas.openxmlformats.org/presentationml/2006/main">
+  <p:cSld>
+    <p:spTree>
+      <p:nvGrpSpPr>
+        <p:cNvPr id="1" name=""/>
+        <p:cNvGrpSpPr/>
+        <p:nvPr/>
+      </p:nvGrpSpPr>
+      <p:grpSpPr>
+        <a:xfrm>
+          <a:off x="0" y="0"/>
+          <a:ext cx="0" cy="0"/>
+          <a:chOff x="0" y="0"/>
+          <a:chExt cx="0" cy="0"/>
+        </a:xfrm>
+      </p:grpSpPr>
+      <p:sp>
+        <p:nvSpPr>
+          <p:cNvPr id="2" name="Title 1">
+            <a:extLst>
+              <a:ext uri="{FF2B5EF4-FFF2-40B4-BE49-F238E27FC236}">
+                <a16:creationId xmlns:a16="http://schemas.microsoft.com/office/drawing/2014/main" id="{1B61B0F9-D818-7B3D-8638-4903DE047351}"/>
+              </a:ext>
+            </a:extLst>
+          </p:cNvPr>
+          <p:cNvSpPr>
+            <a:spLocks noGrp="1"/>
+          </p:cNvSpPr>
+          <p:nvPr>
+            <p:ph type="title"/>
+          </p:nvPr>
+        </p:nvSpPr>
+        <p:spPr/>
+        <p:txBody>
+          <a:bodyPr/>
+          <a:lstStyle/>
+          <a:p>
+            <a:r>
+              <a:rPr lang="en-US" dirty="0"/>
+              <a:t>Algorithm</a:t>
+            </a:r>
+          </a:p>
+        </p:txBody>
+      </p:sp>
+      <p:sp>
+        <p:nvSpPr>
+          <p:cNvPr id="3" name="Content Placeholder 2">
+            <a:extLst>
+              <a:ext uri="{FF2B5EF4-FFF2-40B4-BE49-F238E27FC236}">
+                <a16:creationId xmlns:a16="http://schemas.microsoft.com/office/drawing/2014/main" id="{1B88DC06-28BF-D554-5BED-FF24EFBD799D}"/>
+              </a:ext>
+            </a:extLst>
+          </p:cNvPr>
+          <p:cNvSpPr>
+            <a:spLocks noGrp="1"/>
+          </p:cNvSpPr>
+          <p:nvPr>
+            <p:ph idx="1"/>
+          </p:nvPr>
+        </p:nvSpPr>
+        <p:spPr/>
+        <p:txBody>
+          <a:bodyPr/>
+          <a:lstStyle/>
+          <a:p>
+            <a:pPr>
+              <a:buFont typeface="Arial" panose="020B0604020202020204" pitchFamily="34" charset="0"/>
+              <a:buChar char="•"/>
+            </a:pPr>
+            <a:r>
+              <a:rPr lang="en-IN" b="1" dirty="0"/>
+              <a:t>Step 1:</a:t>
+            </a:r>
+            <a:r>
+              <a:rPr lang="en-IN" dirty="0"/>
+              <a:t> Generate candidate </a:t>
+            </a:r>
+            <a:r>
+              <a:rPr lang="en-IN" dirty="0" err="1"/>
+              <a:t>itemsets</a:t>
+            </a:r>
+            <a:r>
+              <a:rPr lang="en-IN" dirty="0"/>
+              <a:t> of length 1.</a:t>
+            </a:r>
+          </a:p>
+          <a:p>
+            <a:pPr>
+              <a:buFont typeface="Arial" panose="020B0604020202020204" pitchFamily="34" charset="0"/>
+              <a:buChar char="•"/>
+            </a:pPr>
+            <a:r>
+              <a:rPr lang="en-IN" b="1" dirty="0"/>
+              <a:t>Step 2:</a:t>
+            </a:r>
+            <a:r>
+              <a:rPr lang="en-IN" dirty="0"/>
+              <a:t> Prune the </a:t>
+            </a:r>
+            <a:r>
+              <a:rPr lang="en-IN" dirty="0" err="1"/>
+              <a:t>itemsets</a:t>
+            </a:r>
+            <a:r>
+              <a:rPr lang="en-IN" dirty="0"/>
+              <a:t> that do not meet the minimum support threshold.</a:t>
+            </a:r>
+          </a:p>
+          <a:p>
+            <a:pPr>
+              <a:buFont typeface="Arial" panose="020B0604020202020204" pitchFamily="34" charset="0"/>
+              <a:buChar char="•"/>
+            </a:pPr>
+            <a:r>
+              <a:rPr lang="en-IN" b="1" dirty="0"/>
+              <a:t>Step 3:</a:t>
+            </a:r>
+            <a:r>
+              <a:rPr lang="en-IN" dirty="0"/>
+              <a:t> Generate candidate </a:t>
+            </a:r>
+            <a:r>
+              <a:rPr lang="en-IN" dirty="0" err="1"/>
+              <a:t>itemsets</a:t>
+            </a:r>
+            <a:r>
+              <a:rPr lang="en-IN" dirty="0"/>
+              <a:t> of length 2 from the frequent </a:t>
+            </a:r>
+            <a:r>
+              <a:rPr lang="en-IN" dirty="0" err="1"/>
+              <a:t>itemsets</a:t>
+            </a:r>
+            <a:r>
+              <a:rPr lang="en-IN" dirty="0"/>
+              <a:t> of length 1.</a:t>
+            </a:r>
+          </a:p>
+          <a:p>
+            <a:pPr>
+              <a:buFont typeface="Arial" panose="020B0604020202020204" pitchFamily="34" charset="0"/>
+              <a:buChar char="•"/>
+            </a:pPr>
+            <a:r>
+              <a:rPr lang="en-IN" b="1" dirty="0"/>
+              <a:t>Step 4:</a:t>
+            </a:r>
+            <a:r>
+              <a:rPr lang="en-IN" dirty="0"/>
+              <a:t> Repeat until no more frequent </a:t>
+            </a:r>
+            <a:r>
+              <a:rPr lang="en-IN" dirty="0" err="1"/>
+              <a:t>itemsets</a:t>
+            </a:r>
+            <a:r>
+              <a:rPr lang="en-IN" dirty="0"/>
+              <a:t> can be generated.</a:t>
+            </a:r>
+          </a:p>
+          <a:p>
+            <a:pPr>
+              <a:buFont typeface="Arial" panose="020B0604020202020204" pitchFamily="34" charset="0"/>
+              <a:buChar char="•"/>
+            </a:pPr>
+            <a:r>
+              <a:rPr lang="en-IN" b="1" dirty="0"/>
+              <a:t>Step 5:</a:t>
+            </a:r>
+            <a:r>
+              <a:rPr lang="en-IN" dirty="0"/>
+              <a:t> Generate association rules from the frequent </a:t>
+            </a:r>
+            <a:r>
+              <a:rPr lang="en-IN" dirty="0" err="1"/>
+              <a:t>itemsets</a:t>
+            </a:r>
+            <a:r>
+              <a:rPr lang="en-IN" dirty="0"/>
+              <a:t>.</a:t>
+            </a:r>
+          </a:p>
+        </p:txBody>
+      </p:sp>
+    </p:spTree>
+    <p:extLst>
+      <p:ext uri="{BB962C8B-B14F-4D97-AF65-F5344CB8AC3E}">
+        <p14:creationId xmlns:p14="http://schemas.microsoft.com/office/powerpoint/2010/main" val="2889389115"/>
+      </p:ext>
+    </p:extLst>
+  </p:cSld>
+  <p:clrMapOvr>
+    <a:masterClrMapping/>
+  </p:clrMapOvr>
+</p:sld>
+</file>
+
+<file path=ppt/slides/slide7.xml><?xml version="1.0" encoding="utf-8"?>
+<p:sld xmlns:a="http://schemas.openxmlformats.org/drawingml/2006/main" xmlns:r="http://schemas.openxmlformats.org/officeDocument/2006/relationships" xmlns:p="http://schemas.openxmlformats.org/presentationml/2006/main">
+  <p:cSld>
+    <p:spTree>
+      <p:nvGrpSpPr>
+        <p:cNvPr id="1" name=""/>
+        <p:cNvGrpSpPr/>
+        <p:nvPr/>
+      </p:nvGrpSpPr>
+      <p:grpSpPr>
+        <a:xfrm>
+          <a:off x="0" y="0"/>
+          <a:ext cx="0" cy="0"/>
+          <a:chOff x="0" y="0"/>
+          <a:chExt cx="0" cy="0"/>
+        </a:xfrm>
+      </p:grpSpPr>
+      <p:sp>
+        <p:nvSpPr>
+          <p:cNvPr id="2" name="Title 1">
+            <a:extLst>
+              <a:ext uri="{FF2B5EF4-FFF2-40B4-BE49-F238E27FC236}">
+                <a16:creationId xmlns:a16="http://schemas.microsoft.com/office/drawing/2014/main" id="{28DD657D-D2E7-7093-BF23-767524550620}"/>
+              </a:ext>
+            </a:extLst>
+          </p:cNvPr>
+          <p:cNvSpPr>
+            <a:spLocks noGrp="1"/>
+          </p:cNvSpPr>
+          <p:nvPr>
+            <p:ph type="title"/>
+          </p:nvPr>
+        </p:nvSpPr>
+        <p:spPr/>
+        <p:txBody>
+          <a:bodyPr/>
+          <a:lstStyle/>
+          <a:p>
+            <a:r>
+              <a:rPr lang="en-US" dirty="0"/>
+              <a:t>ECLAT</a:t>
+            </a:r>
+          </a:p>
+        </p:txBody>
+      </p:sp>
+      <p:sp>
+        <p:nvSpPr>
+          <p:cNvPr id="3" name="Content Placeholder 2">
+            <a:extLst>
+              <a:ext uri="{FF2B5EF4-FFF2-40B4-BE49-F238E27FC236}">
+                <a16:creationId xmlns:a16="http://schemas.microsoft.com/office/drawing/2014/main" id="{3A0267B4-4481-82F1-CD16-9DFB94C41B07}"/>
+              </a:ext>
+            </a:extLst>
+          </p:cNvPr>
+          <p:cNvSpPr>
+            <a:spLocks noGrp="1"/>
+          </p:cNvSpPr>
+          <p:nvPr>
+            <p:ph idx="1"/>
+          </p:nvPr>
+        </p:nvSpPr>
+        <p:spPr/>
+        <p:txBody>
+          <a:bodyPr/>
+          <a:lstStyle/>
+          <a:p>
+            <a:r>
+              <a:rPr lang="en-IN" dirty="0"/>
+              <a:t>ECLAT (Equivalence Class Clustering and bottom-up Lattice Traversal) is an efficient algorithm for finding frequent </a:t>
+            </a:r>
+            <a:r>
+              <a:rPr lang="en-IN" dirty="0" err="1"/>
+              <a:t>itemsets</a:t>
+            </a:r>
+            <a:r>
+              <a:rPr lang="en-IN" dirty="0"/>
+              <a:t>.</a:t>
+            </a:r>
+          </a:p>
+          <a:p>
+            <a:r>
+              <a:rPr lang="en-IN" dirty="0"/>
+              <a:t>Unlike </a:t>
+            </a:r>
+            <a:r>
+              <a:rPr lang="en-IN" dirty="0" err="1"/>
+              <a:t>Apriori</a:t>
+            </a:r>
+            <a:r>
+              <a:rPr lang="en-IN" dirty="0"/>
+              <a:t>, which uses horizontal data layout (</a:t>
+            </a:r>
+            <a:r>
+              <a:rPr lang="en-IN" dirty="0" err="1"/>
+              <a:t>itemsets</a:t>
+            </a:r>
+            <a:r>
+              <a:rPr lang="en-IN" dirty="0"/>
+              <a:t>), ECLAT uses vertical data layout (transaction IDs).</a:t>
+            </a:r>
+          </a:p>
+          <a:p>
+            <a:r>
+              <a:rPr lang="en-IN" dirty="0"/>
+              <a:t>Developed as an alternative to </a:t>
+            </a:r>
+            <a:r>
+              <a:rPr lang="en-IN" dirty="0" err="1"/>
+              <a:t>Apriori</a:t>
+            </a:r>
+            <a:r>
+              <a:rPr lang="en-IN" dirty="0"/>
+              <a:t> to handle large datasets more efficiently.</a:t>
+            </a:r>
+            <a:endParaRPr lang="en-US" dirty="0"/>
+          </a:p>
+        </p:txBody>
+      </p:sp>
+    </p:spTree>
+    <p:extLst>
+      <p:ext uri="{BB962C8B-B14F-4D97-AF65-F5344CB8AC3E}">
+        <p14:creationId xmlns:p14="http://schemas.microsoft.com/office/powerpoint/2010/main" val="1961347694"/>
+      </p:ext>
+    </p:extLst>
+  </p:cSld>
+  <p:clrMapOvr>
+    <a:masterClrMapping/>
+  </p:clrMapOvr>
+</p:sld>
+</file>
+
+<file path=ppt/slides/slide8.xml><?xml version="1.0" encoding="utf-8"?>
+<p:sld xmlns:a="http://schemas.openxmlformats.org/drawingml/2006/main" xmlns:r="http://schemas.openxmlformats.org/officeDocument/2006/relationships" xmlns:p="http://schemas.openxmlformats.org/presentationml/2006/main">
+  <p:cSld>
+    <p:spTree>
+      <p:nvGrpSpPr>
+        <p:cNvPr id="1" name=""/>
+        <p:cNvGrpSpPr/>
+        <p:nvPr/>
+      </p:nvGrpSpPr>
+      <p:grpSpPr>
+        <a:xfrm>
+          <a:off x="0" y="0"/>
+          <a:ext cx="0" cy="0"/>
+          <a:chOff x="0" y="0"/>
+          <a:chExt cx="0" cy="0"/>
+        </a:xfrm>
+      </p:grpSpPr>
+      <p:sp>
+        <p:nvSpPr>
+          <p:cNvPr id="2" name="Title 1">
+            <a:extLst>
+              <a:ext uri="{FF2B5EF4-FFF2-40B4-BE49-F238E27FC236}">
+                <a16:creationId xmlns:a16="http://schemas.microsoft.com/office/drawing/2014/main" id="{71A9E744-EE33-FD91-FECC-CF0BDE3C82D1}"/>
+              </a:ext>
+            </a:extLst>
+          </p:cNvPr>
+          <p:cNvSpPr>
+            <a:spLocks noGrp="1"/>
+          </p:cNvSpPr>
+          <p:nvPr>
+            <p:ph type="title"/>
+          </p:nvPr>
+        </p:nvSpPr>
+        <p:spPr/>
+        <p:txBody>
+          <a:bodyPr/>
+          <a:lstStyle/>
+          <a:p>
+            <a:r>
+              <a:rPr lang="en-US" dirty="0"/>
+              <a:t>TID and Support</a:t>
+            </a:r>
+          </a:p>
+        </p:txBody>
+      </p:sp>
+      <mc:AlternateContent xmlns:mc="http://schemas.openxmlformats.org/markup-compatibility/2006" xmlns:a14="http://schemas.microsoft.com/office/drawing/2010/main">
+        <mc:Choice Requires="a14">
+          <p:sp>
+            <p:nvSpPr>
+              <p:cNvPr id="3" name="Content Placeholder 2">
+                <a:extLst>
+                  <a:ext uri="{FF2B5EF4-FFF2-40B4-BE49-F238E27FC236}">
+                    <a16:creationId xmlns:a16="http://schemas.microsoft.com/office/drawing/2014/main" id="{1A1C66D5-D955-8634-7F5D-886D58A929B1}"/>
+                  </a:ext>
+                </a:extLst>
+              </p:cNvPr>
+              <p:cNvSpPr>
+                <a:spLocks noGrp="1"/>
+              </p:cNvSpPr>
+              <p:nvPr>
+                <p:ph idx="1"/>
+              </p:nvPr>
+            </p:nvSpPr>
+            <p:spPr/>
+            <p:txBody>
+              <a:bodyPr/>
+              <a:lstStyle/>
+              <a:p>
+                <a:pPr>
+                  <a:buFont typeface="Arial" panose="020B0604020202020204" pitchFamily="34" charset="0"/>
+                  <a:buChar char="•"/>
+                </a:pPr>
+                <a:r>
+                  <a:rPr lang="en-IN" b="1" dirty="0"/>
+                  <a:t>Transaction ID Sets (TID Sets):</a:t>
+                </a:r>
+                <a:r>
+                  <a:rPr lang="en-IN" dirty="0"/>
+                  <a:t>In ECLAT, each item is represented by the set of transaction IDs where it appears.</a:t>
+                </a:r>
+              </a:p>
+              <a:p>
+                <a:pPr>
+                  <a:buFont typeface="Arial" panose="020B0604020202020204" pitchFamily="34" charset="0"/>
+                  <a:buChar char="•"/>
+                </a:pPr>
+                <a:r>
+                  <a:rPr lang="en-IN" dirty="0"/>
+                  <a:t>The algorithm computes intersections of TID sets to find frequent </a:t>
+                </a:r>
+                <a:r>
+                  <a:rPr lang="en-IN" dirty="0" err="1"/>
+                  <a:t>itemsets</a:t>
+                </a:r>
+                <a:r>
+                  <a:rPr lang="en-IN" dirty="0"/>
+                  <a:t>.</a:t>
+                </a:r>
+              </a:p>
+              <a:p>
+                <a:pPr>
+                  <a:buFont typeface="Arial" panose="020B0604020202020204" pitchFamily="34" charset="0"/>
+                  <a:buChar char="•"/>
+                </a:pPr>
+                <a:r>
+                  <a:rPr lang="en-IN" b="1" dirty="0"/>
+                  <a:t>Support:</a:t>
+                </a:r>
+              </a:p>
+              <a:p>
+                <a:pPr lvl="1"/>
+                <a:r>
+                  <a:rPr lang="en-IN" dirty="0"/>
+                  <a:t>The support of an itemset is determined by the size of its TID set.</a:t>
+                </a:r>
+              </a:p>
+              <a:p>
+                <a:pPr marL="0" indent="0">
+                  <a:buNone/>
+                </a:pPr>
+                <a14:m>
+                  <m:oMathPara xmlns:m="http://schemas.openxmlformats.org/officeDocument/2006/math">
+                    <m:oMathParaPr>
+                      <m:jc m:val="centerGroup"/>
+                    </m:oMathParaPr>
+                    <m:oMath xmlns:m="http://schemas.openxmlformats.org/officeDocument/2006/math">
+                      <m:r>
+                        <a:rPr lang="en-US" b="0" i="1" smtClean="0">
+                          <a:latin typeface="Cambria Math" panose="02040503050406030204" pitchFamily="18" charset="0"/>
+                        </a:rPr>
+                        <m:t>𝑆𝑢𝑝𝑝𝑜𝑟𝑡</m:t>
+                      </m:r>
+                      <m:r>
+                        <a:rPr lang="en-US" b="0" i="1" smtClean="0">
+                          <a:latin typeface="Cambria Math" panose="02040503050406030204" pitchFamily="18" charset="0"/>
+                        </a:rPr>
+                        <m:t> =</m:t>
+                      </m:r>
+                      <m:f>
+                        <m:fPr>
+                          <m:ctrlPr>
+                            <a:rPr lang="en-US" b="0" i="1" smtClean="0">
+                              <a:latin typeface="Cambria Math" panose="02040503050406030204" pitchFamily="18" charset="0"/>
+                            </a:rPr>
+                          </m:ctrlPr>
+                        </m:fPr>
+                        <m:num>
+                          <m:r>
+                            <a:rPr lang="en-US" b="0" i="1" smtClean="0">
+                              <a:latin typeface="Cambria Math" panose="02040503050406030204" pitchFamily="18" charset="0"/>
+                            </a:rPr>
+                            <m:t>𝑇𝐼𝐷</m:t>
+                          </m:r>
+                          <m:d>
+                            <m:dPr>
+                              <m:ctrlPr>
+                                <a:rPr lang="en-US" b="0" i="1" smtClean="0">
+                                  <a:latin typeface="Cambria Math" panose="02040503050406030204" pitchFamily="18" charset="0"/>
+                                </a:rPr>
+                              </m:ctrlPr>
+                            </m:dPr>
+                            <m:e>
+                              <m:r>
+                                <a:rPr lang="en-US" b="0" i="1" smtClean="0">
+                                  <a:latin typeface="Cambria Math" panose="02040503050406030204" pitchFamily="18" charset="0"/>
+                                </a:rPr>
+                                <m:t>𝑋</m:t>
+                              </m:r>
+                            </m:e>
+                          </m:d>
+                        </m:num>
+                        <m:den>
+                          <m:r>
+                            <a:rPr lang="en-US" b="0" i="1" smtClean="0">
+                              <a:latin typeface="Cambria Math" panose="02040503050406030204" pitchFamily="18" charset="0"/>
+                            </a:rPr>
+                            <m:t>𝑇𝑜𝑡𝑎𝑙</m:t>
+                          </m:r>
+                          <m:r>
+                            <a:rPr lang="en-US" b="0" i="1" smtClean="0">
+                              <a:latin typeface="Cambria Math" panose="02040503050406030204" pitchFamily="18" charset="0"/>
+                            </a:rPr>
+                            <m:t> </m:t>
+                          </m:r>
+                          <m:r>
+                            <a:rPr lang="en-US" b="0" i="1" smtClean="0">
+                              <a:latin typeface="Cambria Math" panose="02040503050406030204" pitchFamily="18" charset="0"/>
+                            </a:rPr>
+                            <m:t>𝑇𝑟𝑎𝑛𝑠𝑎𝑐𝑡𝑖𝑜𝑛𝑠</m:t>
+                          </m:r>
+                        </m:den>
+                      </m:f>
+                    </m:oMath>
+                  </m:oMathPara>
+                </a14:m>
+                <a:endParaRPr lang="en-US" dirty="0"/>
+              </a:p>
+            </p:txBody>
+          </p:sp>
+        </mc:Choice>
+        <mc:Fallback xmlns="">
+          <p:sp>
+            <p:nvSpPr>
+              <p:cNvPr id="3" name="Content Placeholder 2">
+                <a:extLst>
+                  <a:ext uri="{FF2B5EF4-FFF2-40B4-BE49-F238E27FC236}">
+                    <a16:creationId xmlns:a16="http://schemas.microsoft.com/office/drawing/2014/main" id="{1A1C66D5-D955-8634-7F5D-886D58A929B1}"/>
+                  </a:ext>
+                </a:extLst>
+              </p:cNvPr>
+              <p:cNvSpPr>
+                <a:spLocks noGrp="1" noRot="1" noChangeAspect="1" noMove="1" noResize="1" noEditPoints="1" noAdjustHandles="1" noChangeArrowheads="1" noChangeShapeType="1" noTextEdit="1"/>
+              </p:cNvSpPr>
+              <p:nvPr>
+                <p:ph idx="1"/>
+              </p:nvPr>
+            </p:nvSpPr>
+            <p:spPr>
+              <a:blipFill>
+                <a:blip r:embed="rId2"/>
+                <a:stretch>
+                  <a:fillRect l="-1735" t="-1597"/>
+                </a:stretch>
+              </a:blipFill>
+            </p:spPr>
+            <p:txBody>
+              <a:bodyPr/>
+              <a:lstStyle/>
+              <a:p>
+                <a:r>
+                  <a:rPr lang="en-US">
+                    <a:noFill/>
+                  </a:rPr>
+                  <a:t> </a:t>
+                </a:r>
+              </a:p>
+            </p:txBody>
+          </p:sp>
+        </mc:Fallback>
+      </mc:AlternateContent>
+    </p:spTree>
+    <p:extLst>
+      <p:ext uri="{BB962C8B-B14F-4D97-AF65-F5344CB8AC3E}">
+        <p14:creationId xmlns:p14="http://schemas.microsoft.com/office/powerpoint/2010/main" val="3767766011"/>
+      </p:ext>
+    </p:extLst>
+  </p:cSld>
+  <p:clrMapOvr>
+    <a:masterClrMapping/>
+  </p:clrMapOvr>
+</p:sld>
+</file>
+
+<file path=ppt/slides/slide9.xml><?xml version="1.0" encoding="utf-8"?>
+<p:sld xmlns:a="http://schemas.openxmlformats.org/drawingml/2006/main" xmlns:r="http://schemas.openxmlformats.org/officeDocument/2006/relationships" xmlns:p="http://schemas.openxmlformats.org/presentationml/2006/main">
+  <p:cSld>
+    <p:spTree>
+      <p:nvGrpSpPr>
+        <p:cNvPr id="1" name=""/>
+        <p:cNvGrpSpPr/>
+        <p:nvPr/>
+      </p:nvGrpSpPr>
+      <p:grpSpPr>
+        <a:xfrm>
+          <a:off x="0" y="0"/>
+          <a:ext cx="0" cy="0"/>
+          <a:chOff x="0" y="0"/>
+          <a:chExt cx="0" cy="0"/>
+        </a:xfrm>
+      </p:grpSpPr>
+      <p:sp>
+        <p:nvSpPr>
+          <p:cNvPr id="2" name="Title 1">
+            <a:extLst>
+              <a:ext uri="{FF2B5EF4-FFF2-40B4-BE49-F238E27FC236}">
+                <a16:creationId xmlns:a16="http://schemas.microsoft.com/office/drawing/2014/main" id="{0D82C1C7-A43C-3267-807B-6DBE34C5ACBF}"/>
+              </a:ext>
+            </a:extLst>
+          </p:cNvPr>
+          <p:cNvSpPr>
+            <a:spLocks noGrp="1"/>
+          </p:cNvSpPr>
+          <p:nvPr>
+            <p:ph type="title"/>
+          </p:nvPr>
+        </p:nvSpPr>
+        <p:spPr/>
+        <p:txBody>
+          <a:bodyPr/>
+          <a:lstStyle/>
+          <a:p>
+            <a:r>
+              <a:rPr lang="en-US" dirty="0"/>
+              <a:t>Algorithm</a:t>
+            </a:r>
+          </a:p>
+        </p:txBody>
+      </p:sp>
+      <p:sp>
+        <p:nvSpPr>
+          <p:cNvPr id="3" name="Content Placeholder 2">
+            <a:extLst>
+              <a:ext uri="{FF2B5EF4-FFF2-40B4-BE49-F238E27FC236}">
+                <a16:creationId xmlns:a16="http://schemas.microsoft.com/office/drawing/2014/main" id="{CF31D2A8-560C-1D08-A3D3-8F807E6F9B9E}"/>
+              </a:ext>
+            </a:extLst>
+          </p:cNvPr>
+          <p:cNvSpPr>
+            <a:spLocks noGrp="1"/>
+          </p:cNvSpPr>
+          <p:nvPr>
+            <p:ph idx="1"/>
+          </p:nvPr>
+        </p:nvSpPr>
+        <p:spPr/>
+        <p:txBody>
+          <a:bodyPr>
+            <a:normAutofit lnSpcReduction="10000"/>
+          </a:bodyPr>
+          <a:lstStyle/>
+          <a:p>
+            <a:r>
+              <a:rPr lang="en-IN" b="1" dirty="0"/>
+              <a:t>Step 1:</a:t>
+            </a:r>
+            <a:r>
+              <a:rPr lang="en-IN" dirty="0"/>
+              <a:t> Convert the dataset into a vertical format where each item is associated with a TID set.</a:t>
+            </a:r>
+          </a:p>
+          <a:p>
+            <a:r>
+              <a:rPr lang="en-IN" b="1" dirty="0"/>
+              <a:t>Step 2:</a:t>
+            </a:r>
+            <a:r>
+              <a:rPr lang="en-IN" dirty="0"/>
+              <a:t> Calculate the support for individual items by counting the number of transactions in their TID sets.</a:t>
+            </a:r>
+          </a:p>
+          <a:p>
+            <a:r>
+              <a:rPr lang="en-IN" b="1" dirty="0"/>
+              <a:t>Step 3:</a:t>
+            </a:r>
+            <a:r>
+              <a:rPr lang="en-IN" dirty="0"/>
+              <a:t> Generate larger </a:t>
+            </a:r>
+            <a:r>
+              <a:rPr lang="en-IN" dirty="0" err="1"/>
+              <a:t>itemsets</a:t>
+            </a:r>
+            <a:r>
+              <a:rPr lang="en-IN" dirty="0"/>
+              <a:t> by intersecting TID sets of smaller </a:t>
+            </a:r>
+            <a:r>
+              <a:rPr lang="en-IN" dirty="0" err="1"/>
+              <a:t>itemsets</a:t>
+            </a:r>
+            <a:r>
+              <a:rPr lang="en-IN" dirty="0"/>
+              <a:t> (e.g., pairwise intersections for 2-itemsets).</a:t>
+            </a:r>
+          </a:p>
+          <a:p>
+            <a:r>
+              <a:rPr lang="en-IN" b="1" dirty="0"/>
+              <a:t>Step 4:</a:t>
+            </a:r>
+            <a:r>
+              <a:rPr lang="en-IN" dirty="0"/>
+              <a:t> Prune </a:t>
+            </a:r>
+            <a:r>
+              <a:rPr lang="en-IN" dirty="0" err="1"/>
+              <a:t>itemsets</a:t>
+            </a:r>
+            <a:r>
+              <a:rPr lang="en-IN" dirty="0"/>
+              <a:t> that do not meet the minimum support threshold.</a:t>
+            </a:r>
+          </a:p>
+          <a:p>
+            <a:r>
+              <a:rPr lang="en-IN" b="1" dirty="0"/>
+              <a:t>Step 5:</a:t>
+            </a:r>
+            <a:r>
+              <a:rPr lang="en-IN" dirty="0"/>
+              <a:t> Continue this process until no larger frequent </a:t>
+            </a:r>
+            <a:r>
+              <a:rPr lang="en-IN" dirty="0" err="1"/>
+              <a:t>itemsets</a:t>
+            </a:r>
+            <a:r>
+              <a:rPr lang="en-IN" dirty="0"/>
+              <a:t> can be generated.</a:t>
+            </a:r>
+            <a:endParaRPr lang="en-US" dirty="0"/>
+          </a:p>
+        </p:txBody>
+      </p:sp>
+    </p:spTree>
+    <p:extLst>
+      <p:ext uri="{BB962C8B-B14F-4D97-AF65-F5344CB8AC3E}">
+        <p14:creationId xmlns:p14="http://schemas.microsoft.com/office/powerpoint/2010/main" val="3014201611"/>
       </p:ext>
     </p:extLst>
   </p:cSld>
